--- a/presentation2.pptx
+++ b/presentation2.pptx
@@ -1,29 +1,28 @@
 
 <file path=ppt/presentation.xml><?xml version="1.0" encoding="utf-8"?>
-<p:presentation xmlns:a="http://schemas.openxmlformats.org/drawingml/2006/main" xmlns:r="http://schemas.openxmlformats.org/officeDocument/2006/relationships" xmlns:p="http://schemas.openxmlformats.org/presentationml/2006/main" saveSubsetFonts="1">
+<p:presentation xmlns:a="http://schemas.openxmlformats.org/drawingml/2006/main" xmlns:r="http://schemas.openxmlformats.org/officeDocument/2006/relationships" xmlns:p="http://schemas.openxmlformats.org/presentationml/2006/main" xmlns:p14="http://schemas.microsoft.com/office/powerpoint/2010/main" saveSubsetFonts="1">
   <p:sldMasterIdLst>
-    <p:sldMasterId id="2147483851" r:id="rId1"/>
+    <p:sldMasterId id="2147483853" r:id="rId13"/>
   </p:sldMasterIdLst>
   <p:notesMasterIdLst>
-    <p:notesMasterId r:id="rId18"/>
+    <p:notesMasterId r:id="rId15"/>
   </p:notesMasterIdLst>
   <p:sldIdLst>
-    <p:sldId id="256" r:id="rId2"/>
-    <p:sldId id="266" r:id="rId3"/>
-    <p:sldId id="265" r:id="rId4"/>
-    <p:sldId id="259" r:id="rId5"/>
-    <p:sldId id="263" r:id="rId6"/>
-    <p:sldId id="264" r:id="rId7"/>
-    <p:sldId id="257" r:id="rId8"/>
-    <p:sldId id="258" r:id="rId9"/>
-    <p:sldId id="273" r:id="rId10"/>
-    <p:sldId id="267" r:id="rId11"/>
-    <p:sldId id="269" r:id="rId12"/>
-    <p:sldId id="261" r:id="rId13"/>
-    <p:sldId id="262" r:id="rId14"/>
-    <p:sldId id="268" r:id="rId15"/>
-    <p:sldId id="270" r:id="rId16"/>
-    <p:sldId id="271" r:id="rId17"/>
+    <p:sldId id="256" r:id="rId17"/>
+    <p:sldId id="266" r:id="rId18"/>
+    <p:sldId id="265" r:id="rId19"/>
+    <p:sldId id="259" r:id="rId20"/>
+    <p:sldId id="263" r:id="rId21"/>
+    <p:sldId id="264" r:id="rId22"/>
+    <p:sldId id="257" r:id="rId23"/>
+    <p:sldId id="258" r:id="rId24"/>
+    <p:sldId id="273" r:id="rId25"/>
+    <p:sldId id="267" r:id="rId26"/>
+    <p:sldId id="269" r:id="rId27"/>
+    <p:sldId id="261" r:id="rId28"/>
+    <p:sldId id="262" r:id="rId29"/>
+    <p:sldId id="270" r:id="rId30"/>
+    <p:sldId id="271" r:id="rId31"/>
   </p:sldIdLst>
   <p:sldSz cx="12192000" cy="6858000"/>
   <p:notesSz cx="6858000" cy="9144000"/>
@@ -54,11 +53,7 @@
       <a:defRPr lang="ko-KR" smtClean="0"/>
     </a:lvl5pPr>
   </p:defaultTextStyle>
-  <p:extLst>
-    <p:ext uri="{EFAFB233-063F-42B5-8137-9DF3F51BA10A}">
-      <p15:sldGuideLst xmlns:p15="http://schemas.microsoft.com/office/powerpoint/2012/main"/>
-    </p:ext>
-  </p:extLst>
+  <p:extLst/>
 </p:presentation>
 </file>
 
@@ -5632,7 +5627,7 @@
 </file>
 
 <file path=ppt/slides/slide1.xml><?xml version="1.0" encoding="utf-8"?>
-<p:sld xmlns:a="http://schemas.openxmlformats.org/drawingml/2006/main" xmlns:r="http://schemas.openxmlformats.org/officeDocument/2006/relationships" xmlns:p="http://schemas.openxmlformats.org/presentationml/2006/main">
+<p:sld xmlns:a="http://schemas.openxmlformats.org/drawingml/2006/main" xmlns:r="http://schemas.openxmlformats.org/officeDocument/2006/relationships" xmlns:p="http://schemas.openxmlformats.org/presentationml/2006/main" xmlns:p14="http://schemas.microsoft.com/office/powerpoint/2010/main">
   <p:cSld>
     <p:spTree>
       <p:nvGrpSpPr>
@@ -5979,19 +5974,26 @@
   <p:clrMapOvr>
     <a:masterClrMapping/>
   </p:clrMapOvr>
-  <mc:AlternateContent xmlns:mc="http://schemas.openxmlformats.org/markup-compatibility/2006" xmlns:p14="http://schemas.microsoft.com/office/powerpoint/2010/main">
-    <mc:Choice Requires="p14">
-      <p:transition/>
+  <mc:AlternateContent xmlns:mc="http://schemas.openxmlformats.org/markup-compatibility/2006">
+    <mc:Choice xmlns:p14="http://schemas.microsoft.com/office/powerpoint/2010/main" Requires="p14">
+      <p:transition spd="slow" p14:dur="500"/>
     </mc:Choice>
-    <mc:Fallback xmlns="">
+    <mc:Fallback>
       <p:transition spd="slow"/>
     </mc:Fallback>
   </mc:AlternateContent>
+  <p:timing>
+    <p:tnLst>
+      <p:par>
+        <p:cTn id="1" dur="indefinite" restart="never" nodeType="tmRoot"/>
+      </p:par>
+    </p:tnLst>
+  </p:timing>
 </p:sld>
 </file>
 
 <file path=ppt/slides/slide10.xml><?xml version="1.0" encoding="utf-8"?>
-<p:sld xmlns:a="http://schemas.openxmlformats.org/drawingml/2006/main" xmlns:r="http://schemas.openxmlformats.org/officeDocument/2006/relationships" xmlns:p="http://schemas.openxmlformats.org/presentationml/2006/main">
+<p:sld xmlns:a="http://schemas.openxmlformats.org/drawingml/2006/main" xmlns:r="http://schemas.openxmlformats.org/officeDocument/2006/relationships" xmlns:p="http://schemas.openxmlformats.org/presentationml/2006/main" xmlns:p14="http://schemas.microsoft.com/office/powerpoint/2010/main">
   <p:cSld>
     <p:spTree>
       <p:nvGrpSpPr>
@@ -6009,7 +6011,7 @@
       </p:grpSpPr>
       <p:pic>
         <p:nvPicPr>
-          <p:cNvPr id="2" name="그림 1" descr="C:/Users/Administrator/AppData/Roaming/PolarisOffice/ETemp/15968_4202728/fImage981994415724.png"/>
+          <p:cNvPr id="2" name="그림 1" descr="C:/Users/Administrator/AppData/Roaming/PolarisOffice/ETemp/6472_3077952/image16.png"/>
           <p:cNvPicPr>
             <a:picLocks noChangeAspect="1"/>
           </p:cNvPicPr>
@@ -6023,18 +6025,17 @@
               </a:ext>
             </a:extLst>
           </a:blip>
+          <a:srcRect/>
           <a:stretch>
             <a:fillRect/>
           </a:stretch>
         </p:blipFill>
         <p:spPr>
-          <a:xfrm>
-            <a:off x="661193" y="0"/>
-            <a:ext cx="11179175" cy="6267450"/>
+          <a:xfrm rot="0">
+            <a:off x="669925" y="0"/>
+            <a:ext cx="11179810" cy="6268085"/>
           </a:xfrm>
-          <a:prstGeom prst="rect">
-            <a:avLst/>
-          </a:prstGeom>
+          <a:prstGeom prst="rect"/>
           <a:noFill/>
         </p:spPr>
       </p:pic>
@@ -6051,19 +6052,19 @@
         <p:spPr>
           <a:xfrm>
             <a:off x="109220" y="0"/>
-            <a:ext cx="3054350" cy="870585"/>
+            <a:ext cx="3054985" cy="871220"/>
           </a:xfrm>
           <a:prstGeom prst="rect">
             <a:avLst/>
           </a:prstGeom>
         </p:spPr>
         <p:txBody>
-          <a:bodyPr vert="horz" wrap="square" lIns="91440" tIns="45720" rIns="91440" bIns="45720" anchor="ctr">
-            <a:normAutofit fontScale="90000"/>
+          <a:bodyPr wrap="square" lIns="91440" tIns="45720" rIns="91440" bIns="45720" numCol="1" vert="horz" anchor="ctr">
+            <a:normAutofit fontScale="90000" lnSpcReduction="0"/>
           </a:bodyPr>
           <a:lstStyle/>
           <a:p>
-            <a:pPr marL="0" indent="0" algn="l" defTabSz="914400" fontAlgn="auto">
+            <a:pPr marL="0" indent="0" algn="l" fontAlgn="auto" defTabSz="914400" eaLnBrk="0">
               <a:lnSpc>
                 <a:spcPct val="90000"/>
               </a:lnSpc>
@@ -6077,15 +6078,15 @@
               <a:buNone/>
             </a:pPr>
             <a:r>
-              <a:rPr lang="en-US" altLang="ko-KR" sz="4400" b="0" strike="noStrike" cap="none" dirty="0">
-                <a:latin typeface="맑은 고딕" charset="0"/>
-                <a:ea typeface="맑은 고딕" charset="0"/>
+              <a:rPr lang="en-US" altLang="ko-KR" sz="4400" cap="none" dirty="0" smtClean="0" b="0" strike="noStrike">
+                <a:latin typeface="HY울릉도M" charset="0"/>
+                <a:ea typeface="HY울릉도M" charset="0"/>
               </a:rPr>
               <a:t>플로우 차트</a:t>
             </a:r>
-            <a:endParaRPr lang="ko-KR" altLang="en-US" sz="4400" b="0" strike="noStrike" cap="none" dirty="0">
-              <a:latin typeface="맑은 고딕" charset="0"/>
-              <a:ea typeface="맑은 고딕" charset="0"/>
+            <a:endParaRPr lang="ko-KR" altLang="en-US" sz="4400" cap="none" dirty="0" smtClean="0" b="0" strike="noStrike">
+              <a:latin typeface="HY울릉도M" charset="0"/>
+              <a:ea typeface="HY울릉도M" charset="0"/>
             </a:endParaRPr>
           </a:p>
         </p:txBody>
@@ -6095,11 +6096,26 @@
   <p:clrMapOvr>
     <a:masterClrMapping/>
   </p:clrMapOvr>
+  <mc:AlternateContent xmlns:mc="http://schemas.openxmlformats.org/markup-compatibility/2006">
+    <mc:Choice xmlns:p14="http://schemas.microsoft.com/office/powerpoint/2010/main" Requires="p14">
+      <p:transition spd="slow" p14:dur="2000"/>
+    </mc:Choice>
+    <mc:Fallback>
+      <p:transition spd="slow"/>
+    </mc:Fallback>
+  </mc:AlternateContent>
+  <p:timing>
+    <p:tnLst>
+      <p:par>
+        <p:cTn id="1" dur="indefinite" restart="never" nodeType="tmRoot"/>
+      </p:par>
+    </p:tnLst>
+  </p:timing>
 </p:sld>
 </file>
 
 <file path=ppt/slides/slide11.xml><?xml version="1.0" encoding="utf-8"?>
-<p:sld xmlns:a="http://schemas.openxmlformats.org/drawingml/2006/main" xmlns:r="http://schemas.openxmlformats.org/officeDocument/2006/relationships" xmlns:p="http://schemas.openxmlformats.org/presentationml/2006/main">
+<p:sld xmlns:a="http://schemas.openxmlformats.org/drawingml/2006/main" xmlns:r="http://schemas.openxmlformats.org/officeDocument/2006/relationships" xmlns:p="http://schemas.openxmlformats.org/presentationml/2006/main" xmlns:p14="http://schemas.microsoft.com/office/powerpoint/2010/main">
   <p:cSld>
     <p:spTree>
       <p:nvGrpSpPr>
@@ -6119,44 +6135,55 @@
         <p:nvSpPr>
           <p:cNvPr id="2" name="텍스트 개체 틀 1"/>
           <p:cNvSpPr txBox="1">
-            <a:spLocks noGrp="1"/>
+            <a:spLocks/>
           </p:cNvSpPr>
           <p:nvPr>
             <p:ph type="title" idx="2"/>
           </p:nvPr>
         </p:nvSpPr>
         <p:spPr>
-          <a:xfrm>
+          <a:xfrm rot="0">
             <a:off x="109220" y="-3810"/>
-            <a:ext cx="3054350" cy="870585"/>
+            <a:ext cx="2162810" cy="871220"/>
           </a:xfrm>
-          <a:prstGeom prst="rect">
-            <a:avLst/>
-          </a:prstGeom>
+          <a:prstGeom prst="rect"/>
         </p:spPr>
         <p:txBody>
-          <a:bodyPr vert="horz" wrap="square" lIns="91440" tIns="45720" rIns="91440" bIns="45720" anchor="ctr">
-            <a:normAutofit/>
+          <a:bodyPr wrap="square" lIns="91440" tIns="45720" rIns="91440" bIns="45720" numCol="1" vert="horz" anchor="ctr">
+            <a:normAutofit fontScale="100000" lnSpcReduction="0"/>
           </a:bodyPr>
           <a:lstStyle/>
           <a:p>
-            <a:pPr>
+            <a:pPr marL="0" indent="0" algn="ctr" fontAlgn="auto" defTabSz="914400" eaLnBrk="0">
+              <a:lnSpc>
+                <a:spcPct val="100000"/>
+              </a:lnSpc>
+              <a:spcBef>
+                <a:spcPts val="0"/>
+              </a:spcBef>
+              <a:spcAft>
+                <a:spcPts val="0"/>
+              </a:spcAft>
               <a:buFontTx/>
               <a:buNone/>
             </a:pPr>
             <a:r>
-              <a:rPr lang="en-US" altLang="ko-KR" sz="4400" b="0" strike="noStrike" cap="none" dirty="0">
-                <a:latin typeface="맑은 고딕" charset="0"/>
-                <a:ea typeface="맑은 고딕" charset="0"/>
+              <a:rPr lang="en-US" altLang="ko-KR" sz="4400" cap="none" dirty="0" smtClean="0" b="0" strike="noStrike">
+                <a:latin typeface="HY울릉도M" charset="0"/>
+                <a:ea typeface="HY울릉도M" charset="0"/>
               </a:rPr>
               <a:t>회로도</a:t>
             </a:r>
+            <a:endParaRPr lang="ko-KR" altLang="en-US" sz="4400" cap="none" dirty="0" smtClean="0" b="0" strike="noStrike">
+              <a:latin typeface="HY울릉도M" charset="0"/>
+              <a:ea typeface="HY울릉도M" charset="0"/>
+            </a:endParaRPr>
           </a:p>
         </p:txBody>
       </p:sp>
       <p:pic>
         <p:nvPicPr>
-          <p:cNvPr id="3" name="그림 2" descr="C:/Users/Administrator/AppData/Roaming/PolarisOffice/ETemp/15968_4202728/fImage1533764481478.png"/>
+          <p:cNvPr id="3" name="그림 2"/>
           <p:cNvPicPr>
             <a:picLocks noChangeAspect="1"/>
           </p:cNvPicPr>
@@ -6187,7 +6214,7 @@
       </p:pic>
       <p:pic>
         <p:nvPicPr>
-          <p:cNvPr id="6" name="그림 5" descr="C:/Users/Administrator/AppData/Roaming/PolarisOffice/ETemp/15968_4202728/fImage1080744519358.png"/>
+          <p:cNvPr id="6" name="그림 5"/>
           <p:cNvPicPr>
             <a:picLocks noChangeAspect="1"/>
           </p:cNvPicPr>
@@ -6218,98 +6245,100 @@
       </p:pic>
       <p:sp>
         <p:nvSpPr>
-          <p:cNvPr id="4" name="텍스트 개체 틀 1">
-            <a:extLst>
-              <a:ext uri="{FF2B5EF4-FFF2-40B4-BE49-F238E27FC236}">
-                <a16:creationId xmlns:a16="http://schemas.microsoft.com/office/drawing/2014/main" id="{B7DC4DE5-D9CF-054F-984F-CC88D25EF935}"/>
-              </a:ext>
-            </a:extLst>
-          </p:cNvPr>
+          <p:cNvPr id="4" name="텍스트 개체 틀 1"/>
           <p:cNvSpPr txBox="1">
-            <a:spLocks noGrp="1"/>
+            <a:spLocks/>
           </p:cNvSpPr>
           <p:nvPr>
             <p:ph type="title" idx="2"/>
           </p:nvPr>
         </p:nvSpPr>
         <p:spPr>
-          <a:xfrm>
-            <a:off x="1463040" y="5773737"/>
-            <a:ext cx="3054350" cy="870585"/>
+          <a:xfrm rot="0">
+            <a:off x="1463040" y="5885180"/>
+            <a:ext cx="3054985" cy="871220"/>
           </a:xfrm>
-          <a:prstGeom prst="rect">
-            <a:avLst/>
-          </a:prstGeom>
+          <a:prstGeom prst="rect"/>
         </p:spPr>
         <p:txBody>
-          <a:bodyPr vert="horz" wrap="square" lIns="91440" tIns="45720" rIns="91440" bIns="45720" anchor="ctr">
-            <a:normAutofit fontScale="90000"/>
+          <a:bodyPr wrap="square" lIns="91440" tIns="45720" rIns="91440" bIns="45720" numCol="1" vert="horz" anchor="ctr">
+            <a:normAutofit fontScale="90000" lnSpcReduction="0"/>
           </a:bodyPr>
           <a:lstStyle/>
           <a:p>
-            <a:pPr>
+            <a:pPr marL="0" indent="0" algn="ctr" fontAlgn="auto" defTabSz="914400" eaLnBrk="0">
+              <a:lnSpc>
+                <a:spcPct val="100000"/>
+              </a:lnSpc>
+              <a:spcBef>
+                <a:spcPts val="0"/>
+              </a:spcBef>
+              <a:spcAft>
+                <a:spcPts val="0"/>
+              </a:spcAft>
               <a:buFontTx/>
               <a:buNone/>
             </a:pPr>
             <a:r>
-              <a:rPr lang="ko-KR" altLang="en-US" dirty="0">
-                <a:latin typeface="맑은 고딕" charset="0"/>
-                <a:ea typeface="맑은 고딕" charset="0"/>
+              <a:rPr lang="en-US" altLang="ko-KR" sz="4400" cap="none" dirty="0" smtClean="0" b="0" strike="noStrike">
+                <a:latin typeface="HY울릉도M" charset="0"/>
+                <a:ea typeface="HY울릉도M" charset="0"/>
               </a:rPr>
               <a:t>화장실 센서</a:t>
             </a:r>
-            <a:endParaRPr lang="en-US" altLang="ko-KR" sz="4400" b="0" strike="noStrike" cap="none" dirty="0">
-              <a:latin typeface="맑은 고딕" charset="0"/>
-              <a:ea typeface="맑은 고딕" charset="0"/>
+            <a:endParaRPr lang="ko-KR" altLang="en-US" sz="4400" cap="none" dirty="0" smtClean="0" b="0" strike="noStrike">
+              <a:latin typeface="HY울릉도M" charset="0"/>
+              <a:ea typeface="HY울릉도M" charset="0"/>
             </a:endParaRPr>
           </a:p>
         </p:txBody>
       </p:sp>
       <p:sp>
         <p:nvSpPr>
-          <p:cNvPr id="8" name="텍스트 개체 틀 1">
-            <a:extLst>
-              <a:ext uri="{FF2B5EF4-FFF2-40B4-BE49-F238E27FC236}">
-                <a16:creationId xmlns:a16="http://schemas.microsoft.com/office/drawing/2014/main" id="{88A0D74D-B53A-734C-8D4C-8D07A255B664}"/>
-              </a:ext>
-            </a:extLst>
-          </p:cNvPr>
+          <p:cNvPr id="8" name="텍스트 개체 틀 1"/>
           <p:cNvSpPr txBox="1">
-            <a:spLocks noGrp="1"/>
+            <a:spLocks/>
           </p:cNvSpPr>
           <p:nvPr>
             <p:ph type="title" idx="2"/>
           </p:nvPr>
         </p:nvSpPr>
         <p:spPr>
-          <a:xfrm>
-            <a:off x="7674610" y="5773736"/>
-            <a:ext cx="3054350" cy="870585"/>
+          <a:xfrm rot="0">
+            <a:off x="7683500" y="5893435"/>
+            <a:ext cx="3054985" cy="871220"/>
           </a:xfrm>
-          <a:prstGeom prst="rect">
-            <a:avLst/>
-          </a:prstGeom>
+          <a:prstGeom prst="rect"/>
         </p:spPr>
         <p:txBody>
-          <a:bodyPr vert="horz" wrap="square" lIns="91440" tIns="45720" rIns="91440" bIns="45720" anchor="ctr">
-            <a:normAutofit fontScale="90000"/>
+          <a:bodyPr wrap="square" lIns="91440" tIns="45720" rIns="91440" bIns="45720" numCol="1" vert="horz" anchor="ctr">
+            <a:normAutofit fontScale="90000" lnSpcReduction="0"/>
           </a:bodyPr>
           <a:lstStyle/>
           <a:p>
-            <a:pPr>
+            <a:pPr marL="0" indent="0" algn="ctr" fontAlgn="auto" defTabSz="914400" eaLnBrk="0">
+              <a:lnSpc>
+                <a:spcPct val="100000"/>
+              </a:lnSpc>
+              <a:spcBef>
+                <a:spcPts val="0"/>
+              </a:spcBef>
+              <a:spcAft>
+                <a:spcPts val="0"/>
+              </a:spcAft>
               <a:buFontTx/>
               <a:buNone/>
             </a:pPr>
             <a:r>
-              <a:rPr lang="ko-KR" altLang="en-US" dirty="0">
-                <a:latin typeface="맑은 고딕" charset="0"/>
-                <a:ea typeface="맑은 고딕" charset="0"/>
+              <a:rPr lang="en-US" altLang="ko-KR" sz="4400" cap="none" dirty="0" smtClean="0" b="0" strike="noStrike">
+                <a:latin typeface="HY울릉도M" charset="0"/>
+                <a:ea typeface="HY울릉도M" charset="0"/>
               </a:rPr>
               <a:t>생활관 센서</a:t>
             </a:r>
-            <a:endParaRPr lang="en-US" altLang="ko-KR" sz="4400" b="0" strike="noStrike" cap="none" dirty="0">
-              <a:latin typeface="맑은 고딕" charset="0"/>
-              <a:ea typeface="맑은 고딕" charset="0"/>
+            <a:endParaRPr lang="ko-KR" altLang="en-US" sz="4400" cap="none" dirty="0" smtClean="0" b="0" strike="noStrike">
+              <a:latin typeface="HY울릉도M" charset="0"/>
+              <a:ea typeface="HY울릉도M" charset="0"/>
             </a:endParaRPr>
           </a:p>
         </p:txBody>
@@ -6319,11 +6348,122 @@
   <p:clrMapOvr>
     <a:masterClrMapping/>
   </p:clrMapOvr>
+  <mc:AlternateContent xmlns:mc="http://schemas.openxmlformats.org/markup-compatibility/2006">
+    <mc:Choice xmlns:p14="http://schemas.microsoft.com/office/powerpoint/2010/main" Requires="p14">
+      <p:transition spd="slow" p14:dur="2000"/>
+    </mc:Choice>
+    <mc:Fallback>
+      <p:transition spd="slow"/>
+    </mc:Fallback>
+  </mc:AlternateContent>
+  <p:timing>
+    <p:tnLst>
+      <p:par>
+        <p:cTn id="1" dur="indefinite" restart="never" nodeType="tmRoot"/>
+      </p:par>
+    </p:tnLst>
+  </p:timing>
 </p:sld>
 </file>
 
 <file path=ppt/slides/slide12.xml><?xml version="1.0" encoding="utf-8"?>
-<p:sld xmlns:a="http://schemas.openxmlformats.org/drawingml/2006/main" xmlns:r="http://schemas.openxmlformats.org/officeDocument/2006/relationships" xmlns:p="http://schemas.openxmlformats.org/presentationml/2006/main">
+<p:sld xmlns:a="http://schemas.openxmlformats.org/drawingml/2006/main" xmlns:r="http://schemas.openxmlformats.org/officeDocument/2006/relationships" xmlns:p="http://schemas.openxmlformats.org/presentationml/2006/main" xmlns:p14="http://schemas.microsoft.com/office/powerpoint/2010/main">
+  <p:cSld>
+    <p:spTree>
+      <p:nvGrpSpPr>
+        <p:cNvPr id="1" name=""/>
+        <p:cNvGrpSpPr/>
+        <p:nvPr/>
+      </p:nvGrpSpPr>
+      <p:grpSpPr>
+        <a:xfrm>
+          <a:off x="0" y="0"/>
+          <a:ext cx="0" cy="0"/>
+          <a:chOff x="0" y="0"/>
+          <a:chExt cx="0" cy="0"/>
+        </a:xfrm>
+      </p:grpSpPr>
+      <p:sp>
+        <p:nvSpPr>
+          <p:cNvPr id="2" name="텍스트 개체 틀 1"/>
+          <p:cNvSpPr txBox="1">
+            <a:spLocks/>
+          </p:cNvSpPr>
+          <p:nvPr>
+            <p:ph type="title"/>
+          </p:nvPr>
+        </p:nvSpPr>
+        <p:spPr>
+          <a:xfrm rot="0">
+            <a:off x="446405" y="120015"/>
+            <a:ext cx="1319530" cy="1145540"/>
+          </a:xfrm>
+          <a:prstGeom prst="rect"/>
+        </p:spPr>
+        <p:txBody>
+          <a:bodyPr wrap="square" lIns="91440" tIns="45720" rIns="91440" bIns="45720" numCol="1" vert="horz" anchor="ctr">
+            <a:normAutofit fontScale="100000" lnSpcReduction="0"/>
+          </a:bodyPr>
+          <a:lstStyle/>
+          <a:p>
+            <a:pPr marL="0" indent="0" algn="l" fontAlgn="auto" defTabSz="914400" eaLnBrk="0">
+              <a:lnSpc>
+                <a:spcPct val="90000"/>
+              </a:lnSpc>
+              <a:spcBef>
+                <a:spcPts val="0"/>
+              </a:spcBef>
+              <a:spcAft>
+                <a:spcPts val="0"/>
+              </a:spcAft>
+              <a:buFontTx/>
+              <a:buNone/>
+            </a:pPr>
+            <a:r>
+              <a:rPr lang="en-US" altLang="ko-KR" sz="4400" cap="none" dirty="0" smtClean="0" b="0" strike="noStrike">
+                <a:solidFill>
+                  <a:schemeClr val="tx1"/>
+                </a:solidFill>
+                <a:latin typeface="HY울릉도M" charset="0"/>
+                <a:ea typeface="HY울릉도M" charset="0"/>
+              </a:rPr>
+              <a:t>시연</a:t>
+            </a:r>
+            <a:endParaRPr lang="ko-KR" altLang="en-US" sz="4400" cap="none" dirty="0" smtClean="0" b="0" strike="noStrike">
+              <a:solidFill>
+                <a:schemeClr val="tx1"/>
+              </a:solidFill>
+              <a:latin typeface="HY울릉도M" charset="0"/>
+              <a:ea typeface="HY울릉도M" charset="0"/>
+            </a:endParaRPr>
+          </a:p>
+        </p:txBody>
+      </p:sp>
+    </p:spTree>
+  </p:cSld>
+  <p:clrMapOvr>
+    <a:masterClrMapping/>
+  </p:clrMapOvr>
+  <mc:AlternateContent xmlns:mc="http://schemas.openxmlformats.org/markup-compatibility/2006">
+    <mc:Choice xmlns:p14="http://schemas.microsoft.com/office/powerpoint/2010/main" Requires="p14">
+      <p:transition spd="slow" p14:dur="500"/>
+    </mc:Choice>
+    <mc:Fallback>
+      <p:transition spd="slow"/>
+    </mc:Fallback>
+  </mc:AlternateContent>
+  <p:timing>
+    <p:tnLst>
+      <p:par>
+        <p:cTn id="1" dur="indefinite" restart="never" nodeType="tmRoot"/>
+      </p:par>
+    </p:tnLst>
+  </p:timing>
+</p:sld>
+</file>
+
+<file path=ppt/slides/slide13.xml><?xml version="1.0" encoding="utf-8"?>
+<p:sld xmlns:a="http://schemas.openxmlformats.org/drawingml/2006/main" xmlns:r="http://schemas.openxmlformats.org/officeDocument/2006/relationships" xmlns:p="http://schemas.openxmlformats.org/presentationml/2006/main" xmlns:p14="http://schemas.microsoft.com/office/powerpoint/2010/main">
   <p:cSld>
     <p:spTree>
       <p:nvGrpSpPr>
@@ -6352,19 +6492,19 @@
         <p:spPr>
           <a:xfrm>
             <a:off x="609600" y="274320"/>
-            <a:ext cx="10974705" cy="1144905"/>
+            <a:ext cx="10975340" cy="1145540"/>
           </a:xfrm>
           <a:prstGeom prst="rect">
             <a:avLst/>
           </a:prstGeom>
         </p:spPr>
         <p:txBody>
-          <a:bodyPr vert="horz" wrap="square" lIns="91440" tIns="45720" rIns="91440" bIns="45720" numCol="1" anchor="ctr">
-            <a:normAutofit/>
+          <a:bodyPr wrap="square" lIns="91440" tIns="45720" rIns="91440" bIns="45720" numCol="1" vert="horz" anchor="ctr">
+            <a:normAutofit fontScale="100000" lnSpcReduction="0"/>
           </a:bodyPr>
           <a:lstStyle/>
           <a:p>
-            <a:pPr marL="0" indent="0" algn="l" defTabSz="914400" fontAlgn="auto">
+            <a:pPr marL="0" indent="0" algn="l" fontAlgn="auto" defTabSz="914400" eaLnBrk="0">
               <a:lnSpc>
                 <a:spcPct val="90000"/>
               </a:lnSpc>
@@ -6378,21 +6518,21 @@
               <a:buNone/>
             </a:pPr>
             <a:r>
-              <a:rPr lang="en-US" altLang="ko-KR" sz="4400" b="0" strike="noStrike" cap="none" dirty="0">
+              <a:rPr lang="en-US" altLang="ko-KR" sz="4400" cap="none" dirty="0" smtClean="0" b="0" strike="noStrike">
                 <a:solidFill>
                   <a:schemeClr val="tx1"/>
                 </a:solidFill>
-                <a:latin typeface="맑은 고딕" charset="0"/>
-                <a:ea typeface="맑은 고딕" charset="0"/>
-              </a:rPr>
-              <a:t>시연</a:t>
-            </a:r>
-            <a:endParaRPr lang="ko-KR" altLang="en-US" sz="4400" b="0" strike="noStrike" cap="none" dirty="0">
+                <a:latin typeface="HY울릉도M" charset="0"/>
+                <a:ea typeface="HY울릉도M" charset="0"/>
+              </a:rPr>
+              <a:t>차별성</a:t>
+            </a:r>
+            <a:endParaRPr lang="ko-KR" altLang="en-US" sz="4400" cap="none" dirty="0" smtClean="0" b="0" strike="noStrike">
               <a:solidFill>
                 <a:schemeClr val="tx1"/>
               </a:solidFill>
-              <a:latin typeface="맑은 고딕" charset="0"/>
-              <a:ea typeface="맑은 고딕" charset="0"/>
+              <a:latin typeface="HY울릉도M" charset="0"/>
+              <a:ea typeface="HY울릉도M" charset="0"/>
             </a:endParaRPr>
           </a:p>
         </p:txBody>
@@ -6410,19 +6550,19 @@
         <p:spPr>
           <a:xfrm>
             <a:off x="609600" y="1600200"/>
-            <a:ext cx="10974705" cy="4528185"/>
+            <a:ext cx="10975340" cy="4528820"/>
           </a:xfrm>
           <a:prstGeom prst="rect">
             <a:avLst/>
           </a:prstGeom>
         </p:spPr>
         <p:txBody>
-          <a:bodyPr vert="horz" wrap="square" lIns="91440" tIns="45720" rIns="91440" bIns="45720" numCol="1" anchor="t">
-            <a:normAutofit/>
+          <a:bodyPr wrap="square" lIns="91440" tIns="45720" rIns="91440" bIns="45720" numCol="1" vert="horz" anchor="t">
+            <a:normAutofit fontScale="100000" lnSpcReduction="0"/>
           </a:bodyPr>
           <a:lstStyle/>
           <a:p>
-            <a:pPr marL="228600" indent="-228600" algn="l" defTabSz="914400" fontAlgn="auto">
+            <a:pPr marL="228600" indent="-228600" algn="l" fontAlgn="auto" defTabSz="914400" eaLnBrk="0">
               <a:lnSpc>
                 <a:spcPct val="90000"/>
               </a:lnSpc>
@@ -6432,18 +6572,172 @@
               <a:spcAft>
                 <a:spcPts val="0"/>
               </a:spcAft>
+              <a:buClr>
+                <a:srgbClr val="404040"/>
+              </a:buClr>
               <a:buFont typeface="맑은 고딕"/>
               <a:buChar char="•"/>
             </a:pPr>
-            <a:endParaRPr lang="ko-KR" altLang="en-US" sz="2800" b="0" strike="noStrike" cap="none" dirty="0">
+            <a:r>
+              <a:rPr lang="en-US" altLang="ko-KR" sz="2800" cap="none" dirty="0" smtClean="0" b="0" strike="noStrike">
+                <a:solidFill>
+                  <a:schemeClr val="tx1">
+                    <a:lumMod val="75000"/>
+                    <a:lumOff val="25000"/>
+                  </a:schemeClr>
+                </a:solidFill>
+                <a:latin typeface="HY울릉도M" charset="0"/>
+                <a:ea typeface="HY울릉도M" charset="0"/>
+              </a:rPr>
+              <a:t>저가형 CPU 단말장치로 전자 장치 제어</a:t>
+            </a:r>
+            <a:endParaRPr lang="ko-KR" altLang="en-US" sz="2800" cap="none" dirty="0" smtClean="0" b="0" strike="noStrike">
               <a:solidFill>
                 <a:schemeClr val="tx1">
                   <a:lumMod val="75000"/>
                   <a:lumOff val="25000"/>
                 </a:schemeClr>
               </a:solidFill>
-              <a:latin typeface="맑은 고딕" charset="0"/>
-              <a:ea typeface="맑은 고딕" charset="0"/>
+              <a:latin typeface="HY울릉도M" charset="0"/>
+              <a:ea typeface="HY울릉도M" charset="0"/>
+            </a:endParaRPr>
+          </a:p>
+          <a:p>
+            <a:pPr marL="228600" indent="-228600" algn="l" fontAlgn="auto" defTabSz="914400" eaLnBrk="0">
+              <a:lnSpc>
+                <a:spcPct val="90000"/>
+              </a:lnSpc>
+              <a:spcBef>
+                <a:spcPts val="1000"/>
+              </a:spcBef>
+              <a:spcAft>
+                <a:spcPts val="0"/>
+              </a:spcAft>
+              <a:buClr>
+                <a:srgbClr val="404040"/>
+              </a:buClr>
+              <a:buFont typeface="맑은 고딕"/>
+              <a:buChar char="•"/>
+            </a:pPr>
+            <a:endParaRPr lang="ko-KR" altLang="en-US" sz="2800" cap="none" dirty="0" smtClean="0" b="0" strike="noStrike">
+              <a:solidFill>
+                <a:schemeClr val="tx1">
+                  <a:lumMod val="75000"/>
+                  <a:lumOff val="25000"/>
+                </a:schemeClr>
+              </a:solidFill>
+              <a:latin typeface="HY울릉도M" charset="0"/>
+              <a:ea typeface="HY울릉도M" charset="0"/>
+            </a:endParaRPr>
+          </a:p>
+          <a:p>
+            <a:pPr marL="228600" indent="-228600" algn="l" fontAlgn="auto" defTabSz="914400" eaLnBrk="0">
+              <a:lnSpc>
+                <a:spcPct val="90000"/>
+              </a:lnSpc>
+              <a:spcBef>
+                <a:spcPts val="1000"/>
+              </a:spcBef>
+              <a:spcAft>
+                <a:spcPts val="0"/>
+              </a:spcAft>
+              <a:buClr>
+                <a:srgbClr val="404040"/>
+              </a:buClr>
+              <a:buFont typeface="맑은 고딕"/>
+              <a:buChar char="•"/>
+            </a:pPr>
+            <a:r>
+              <a:rPr lang="en-US" altLang="ko-KR" sz="2800" cap="none" dirty="0" smtClean="0" b="0" strike="noStrike">
+                <a:solidFill>
+                  <a:schemeClr val="tx1">
+                    <a:lumMod val="75000"/>
+                    <a:lumOff val="25000"/>
+                  </a:schemeClr>
+                </a:solidFill>
+                <a:latin typeface="HY울릉도M" charset="0"/>
+                <a:ea typeface="HY울릉도M" charset="0"/>
+              </a:rPr>
+              <a:t>확장성 높은 1대 n 네트워크 구현 방법</a:t>
+            </a:r>
+            <a:endParaRPr lang="ko-KR" altLang="en-US" sz="2800" cap="none" dirty="0" smtClean="0" b="0" strike="noStrike">
+              <a:solidFill>
+                <a:schemeClr val="tx1">
+                  <a:lumMod val="75000"/>
+                  <a:lumOff val="25000"/>
+                </a:schemeClr>
+              </a:solidFill>
+              <a:latin typeface="HY울릉도M" charset="0"/>
+              <a:ea typeface="HY울릉도M" charset="0"/>
+            </a:endParaRPr>
+          </a:p>
+          <a:p>
+            <a:pPr marL="228600" indent="-228600" algn="l" fontAlgn="auto" defTabSz="914400" eaLnBrk="0">
+              <a:lnSpc>
+                <a:spcPct val="90000"/>
+              </a:lnSpc>
+              <a:spcBef>
+                <a:spcPts val="1000"/>
+              </a:spcBef>
+              <a:spcAft>
+                <a:spcPts val="0"/>
+              </a:spcAft>
+              <a:buClr>
+                <a:srgbClr val="404040"/>
+              </a:buClr>
+              <a:buFont typeface="맑은 고딕"/>
+              <a:buChar char="•"/>
+            </a:pPr>
+            <a:endParaRPr lang="ko-KR" altLang="en-US" sz="2800" cap="none" dirty="0" smtClean="0" b="0" strike="noStrike">
+              <a:solidFill>
+                <a:schemeClr val="tx1">
+                  <a:lumMod val="75000"/>
+                  <a:lumOff val="25000"/>
+                </a:schemeClr>
+              </a:solidFill>
+              <a:latin typeface="HY울릉도M" charset="0"/>
+              <a:ea typeface="HY울릉도M" charset="0"/>
+            </a:endParaRPr>
+          </a:p>
+          <a:p>
+            <a:pPr marL="228600" indent="-228600" algn="l" fontAlgn="auto" defTabSz="914400" eaLnBrk="0">
+              <a:lnSpc>
+                <a:spcPct val="90000"/>
+              </a:lnSpc>
+              <a:spcBef>
+                <a:spcPts val="1000"/>
+              </a:spcBef>
+              <a:spcAft>
+                <a:spcPts val="0"/>
+              </a:spcAft>
+              <a:buClr>
+                <a:srgbClr val="404040"/>
+              </a:buClr>
+              <a:buFont typeface="맑은 고딕"/>
+              <a:buChar char="•"/>
+            </a:pPr>
+            <a:r>
+              <a:rPr lang="en-US" altLang="ko-KR" sz="2800" cap="none" dirty="0" smtClean="0" b="0" strike="noStrike">
+                <a:solidFill>
+                  <a:schemeClr val="tx1">
+                    <a:lumMod val="75000"/>
+                    <a:lumOff val="25000"/>
+                  </a:schemeClr>
+                </a:solidFill>
+                <a:latin typeface="HY울릉도M" charset="0"/>
+                <a:ea typeface="HY울릉도M" charset="0"/>
+              </a:rPr>
+              <a:t>중앙 관제 시스템 연동 GUI 응용 프로그램 제공</a:t>
+            </a:r>
+            <a:endParaRPr lang="ko-KR" altLang="en-US" sz="2800" cap="none" dirty="0" smtClean="0" b="0" strike="noStrike">
+              <a:solidFill>
+                <a:schemeClr val="tx1">
+                  <a:lumMod val="75000"/>
+                  <a:lumOff val="25000"/>
+                </a:schemeClr>
+              </a:solidFill>
+              <a:latin typeface="HY울릉도M" charset="0"/>
+              <a:ea typeface="HY울릉도M" charset="0"/>
             </a:endParaRPr>
           </a:p>
         </p:txBody>
@@ -6453,19 +6747,26 @@
   <p:clrMapOvr>
     <a:masterClrMapping/>
   </p:clrMapOvr>
-  <mc:AlternateContent xmlns:mc="http://schemas.openxmlformats.org/markup-compatibility/2006" xmlns:p14="http://schemas.microsoft.com/office/powerpoint/2010/main">
-    <mc:Choice Requires="p14">
-      <p:transition/>
+  <mc:AlternateContent xmlns:mc="http://schemas.openxmlformats.org/markup-compatibility/2006">
+    <mc:Choice xmlns:p14="http://schemas.microsoft.com/office/powerpoint/2010/main" Requires="p14">
+      <p:transition spd="slow" p14:dur="500"/>
     </mc:Choice>
-    <mc:Fallback xmlns="">
+    <mc:Fallback>
       <p:transition spd="slow"/>
     </mc:Fallback>
   </mc:AlternateContent>
+  <p:timing>
+    <p:tnLst>
+      <p:par>
+        <p:cTn id="1" dur="indefinite" restart="never" nodeType="tmRoot"/>
+      </p:par>
+    </p:tnLst>
+  </p:timing>
 </p:sld>
 </file>
 
-<file path=ppt/slides/slide13.xml><?xml version="1.0" encoding="utf-8"?>
-<p:sld xmlns:a="http://schemas.openxmlformats.org/drawingml/2006/main" xmlns:r="http://schemas.openxmlformats.org/officeDocument/2006/relationships" xmlns:p="http://schemas.openxmlformats.org/presentationml/2006/main">
+<file path=ppt/slides/slide14.xml><?xml version="1.0" encoding="utf-8"?>
+<p:sld xmlns:a="http://schemas.openxmlformats.org/drawingml/2006/main" xmlns:r="http://schemas.openxmlformats.org/officeDocument/2006/relationships" xmlns:p="http://schemas.openxmlformats.org/presentationml/2006/main" xmlns:p14="http://schemas.microsoft.com/office/powerpoint/2010/main">
   <p:cSld>
     <p:spTree>
       <p:nvGrpSpPr>
@@ -6485,28 +6786,26 @@
         <p:nvSpPr>
           <p:cNvPr id="2" name="텍스트 개체 틀 1"/>
           <p:cNvSpPr txBox="1">
-            <a:spLocks noGrp="1"/>
+            <a:spLocks/>
           </p:cNvSpPr>
           <p:nvPr>
             <p:ph type="title"/>
           </p:nvPr>
         </p:nvSpPr>
         <p:spPr>
-          <a:xfrm>
-            <a:off x="609600" y="274320"/>
-            <a:ext cx="10974705" cy="1144905"/>
+          <a:xfrm rot="0">
+            <a:off x="623570" y="176530"/>
+            <a:ext cx="10516870" cy="1327150"/>
           </a:xfrm>
-          <a:prstGeom prst="rect">
-            <a:avLst/>
-          </a:prstGeom>
+          <a:prstGeom prst="rect"/>
         </p:spPr>
         <p:txBody>
-          <a:bodyPr vert="horz" wrap="square" lIns="91440" tIns="45720" rIns="91440" bIns="45720" numCol="1" anchor="ctr">
-            <a:normAutofit/>
+          <a:bodyPr wrap="square" lIns="91440" tIns="45720" rIns="91440" bIns="45720" numCol="1" vert="horz" anchor="ctr">
+            <a:normAutofit fontScale="100000" lnSpcReduction="0"/>
           </a:bodyPr>
           <a:lstStyle/>
           <a:p>
-            <a:pPr marL="0" indent="0" algn="l" defTabSz="914400" fontAlgn="auto">
+            <a:pPr marL="0" indent="0" algn="l" fontAlgn="auto" defTabSz="914400" eaLnBrk="0">
               <a:lnSpc>
                 <a:spcPct val="90000"/>
               </a:lnSpc>
@@ -6520,380 +6819,15 @@
               <a:buNone/>
             </a:pPr>
             <a:r>
-              <a:rPr lang="en-US" altLang="ko-KR" sz="4400" b="0" strike="noStrike" cap="none" dirty="0">
-                <a:solidFill>
-                  <a:schemeClr val="tx1"/>
-                </a:solidFill>
-                <a:latin typeface="맑은 고딕" charset="0"/>
-                <a:ea typeface="맑은 고딕" charset="0"/>
-              </a:rPr>
-              <a:t>차별성</a:t>
-            </a:r>
-            <a:endParaRPr lang="ko-KR" altLang="en-US" sz="4400" b="0" strike="noStrike" cap="none" dirty="0">
-              <a:solidFill>
-                <a:schemeClr val="tx1"/>
-              </a:solidFill>
-              <a:latin typeface="맑은 고딕" charset="0"/>
-              <a:ea typeface="맑은 고딕" charset="0"/>
-            </a:endParaRPr>
-          </a:p>
-        </p:txBody>
-      </p:sp>
-      <p:sp>
-        <p:nvSpPr>
-          <p:cNvPr id="3" name="내용 개체 틀 2"/>
-          <p:cNvSpPr txBox="1">
-            <a:spLocks noGrp="1"/>
-          </p:cNvSpPr>
-          <p:nvPr>
-            <p:ph idx="1"/>
-          </p:nvPr>
-        </p:nvSpPr>
-        <p:spPr>
-          <a:xfrm>
-            <a:off x="609600" y="1600200"/>
-            <a:ext cx="10974705" cy="4528185"/>
-          </a:xfrm>
-          <a:prstGeom prst="rect">
-            <a:avLst/>
-          </a:prstGeom>
-        </p:spPr>
-        <p:txBody>
-          <a:bodyPr vert="horz" wrap="square" lIns="91440" tIns="45720" rIns="91440" bIns="45720" numCol="1" anchor="t">
-            <a:normAutofit/>
-          </a:bodyPr>
-          <a:lstStyle/>
-          <a:p>
-            <a:pPr marL="228600" indent="-228600" algn="l" defTabSz="914400" fontAlgn="auto">
-              <a:lnSpc>
-                <a:spcPct val="90000"/>
-              </a:lnSpc>
-              <a:spcBef>
-                <a:spcPts val="1000"/>
-              </a:spcBef>
-              <a:spcAft>
-                <a:spcPts val="0"/>
-              </a:spcAft>
-              <a:buFont typeface="맑은 고딕"/>
-              <a:buChar char="•"/>
-            </a:pPr>
-            <a:r>
-              <a:rPr lang="ko-KR" altLang="en-US" dirty="0">
-                <a:solidFill>
-                  <a:schemeClr val="tx1">
-                    <a:lumMod val="75000"/>
-                    <a:lumOff val="25000"/>
-                  </a:schemeClr>
-                </a:solidFill>
-                <a:latin typeface="맑은 고딕" charset="0"/>
-                <a:ea typeface="맑은 고딕" charset="0"/>
-              </a:rPr>
-              <a:t>저가형 </a:t>
-            </a:r>
-            <a:r>
-              <a:rPr lang="en-US" altLang="ko-KR" dirty="0">
-                <a:solidFill>
-                  <a:schemeClr val="tx1">
-                    <a:lumMod val="75000"/>
-                    <a:lumOff val="25000"/>
-                  </a:schemeClr>
-                </a:solidFill>
-                <a:latin typeface="맑은 고딕" charset="0"/>
-                <a:ea typeface="맑은 고딕" charset="0"/>
-              </a:rPr>
-              <a:t>CPU</a:t>
-            </a:r>
-            <a:r>
-              <a:rPr lang="ko-KR" altLang="en-US" dirty="0">
-                <a:solidFill>
-                  <a:schemeClr val="tx1">
-                    <a:lumMod val="75000"/>
-                    <a:lumOff val="25000"/>
-                  </a:schemeClr>
-                </a:solidFill>
-                <a:latin typeface="맑은 고딕" charset="0"/>
-                <a:ea typeface="맑은 고딕" charset="0"/>
-              </a:rPr>
-              <a:t> 단말장치</a:t>
-            </a:r>
-            <a:r>
-              <a:rPr lang="en-US" altLang="ko-KR" sz="2800" b="0" strike="noStrike" cap="none" dirty="0">
-                <a:solidFill>
-                  <a:schemeClr val="tx1">
-                    <a:lumMod val="75000"/>
-                    <a:lumOff val="25000"/>
-                  </a:schemeClr>
-                </a:solidFill>
-                <a:latin typeface="맑은 고딕" charset="0"/>
-                <a:ea typeface="맑은 고딕" charset="0"/>
-              </a:rPr>
-              <a:t>로 </a:t>
-            </a:r>
-            <a:r>
-              <a:rPr lang="ko-KR" altLang="en-US" dirty="0">
-                <a:solidFill>
-                  <a:schemeClr val="tx1">
-                    <a:lumMod val="75000"/>
-                    <a:lumOff val="25000"/>
-                  </a:schemeClr>
-                </a:solidFill>
-                <a:latin typeface="맑은 고딕" charset="0"/>
-                <a:ea typeface="맑은 고딕" charset="0"/>
-              </a:rPr>
-              <a:t>전자 </a:t>
-            </a:r>
-            <a:r>
-              <a:rPr lang="ko-KR" altLang="en-US" sz="2800" b="0" strike="noStrike" cap="none" dirty="0">
-                <a:solidFill>
-                  <a:schemeClr val="tx1">
-                    <a:lumMod val="75000"/>
-                    <a:lumOff val="25000"/>
-                  </a:schemeClr>
-                </a:solidFill>
-                <a:latin typeface="맑은 고딕" charset="0"/>
-                <a:ea typeface="맑은 고딕" charset="0"/>
-              </a:rPr>
-              <a:t>장치 제어</a:t>
-            </a:r>
-          </a:p>
-          <a:p>
-            <a:pPr marL="228600" indent="-228600" algn="l" defTabSz="914400" fontAlgn="auto">
-              <a:lnSpc>
-                <a:spcPct val="90000"/>
-              </a:lnSpc>
-              <a:spcBef>
-                <a:spcPts val="1000"/>
-              </a:spcBef>
-              <a:spcAft>
-                <a:spcPts val="0"/>
-              </a:spcAft>
-              <a:buFont typeface="맑은 고딕"/>
-              <a:buChar char="•"/>
-            </a:pPr>
-            <a:endParaRPr lang="ko-KR" altLang="en-US" sz="2800" b="0" strike="noStrike" cap="none" dirty="0">
-              <a:solidFill>
-                <a:schemeClr val="tx1">
-                  <a:lumMod val="75000"/>
-                  <a:lumOff val="25000"/>
-                </a:schemeClr>
-              </a:solidFill>
-              <a:latin typeface="맑은 고딕" charset="0"/>
-              <a:ea typeface="맑은 고딕" charset="0"/>
-            </a:endParaRPr>
-          </a:p>
-          <a:p>
-            <a:pPr marL="228600" indent="-228600" algn="l" defTabSz="914400" fontAlgn="auto">
-              <a:lnSpc>
-                <a:spcPct val="90000"/>
-              </a:lnSpc>
-              <a:spcBef>
-                <a:spcPts val="1000"/>
-              </a:spcBef>
-              <a:spcAft>
-                <a:spcPts val="0"/>
-              </a:spcAft>
-              <a:buFont typeface="맑은 고딕"/>
-              <a:buChar char="•"/>
-            </a:pPr>
-            <a:r>
-              <a:rPr lang="en-US" altLang="ko-KR" sz="2800" b="0" strike="noStrike" cap="none" dirty="0">
-                <a:solidFill>
-                  <a:schemeClr val="tx1">
-                    <a:lumMod val="75000"/>
-                    <a:lumOff val="25000"/>
-                  </a:schemeClr>
-                </a:solidFill>
-                <a:latin typeface="맑은 고딕" charset="0"/>
-                <a:ea typeface="맑은 고딕" charset="0"/>
-              </a:rPr>
-              <a:t>확장성 높은 1</a:t>
-            </a:r>
-            <a:r>
-              <a:rPr lang="ko-KR" altLang="en-US" sz="2800" b="0" strike="noStrike" cap="none" dirty="0">
-                <a:solidFill>
-                  <a:schemeClr val="tx1">
-                    <a:lumMod val="75000"/>
-                    <a:lumOff val="25000"/>
-                  </a:schemeClr>
-                </a:solidFill>
-                <a:latin typeface="맑은 고딕" charset="0"/>
-                <a:ea typeface="맑은 고딕" charset="0"/>
-              </a:rPr>
-              <a:t>대 </a:t>
-            </a:r>
-            <a:r>
-              <a:rPr lang="en-US" altLang="ko-KR" sz="2800" b="0" strike="noStrike" cap="none" dirty="0">
-                <a:solidFill>
-                  <a:schemeClr val="tx1">
-                    <a:lumMod val="75000"/>
-                    <a:lumOff val="25000"/>
-                  </a:schemeClr>
-                </a:solidFill>
-                <a:latin typeface="맑은 고딕" charset="0"/>
-                <a:ea typeface="맑은 고딕" charset="0"/>
-              </a:rPr>
-              <a:t>n 네트워크 구현 방법</a:t>
-            </a:r>
-            <a:endParaRPr lang="ko-KR" altLang="en-US" sz="2800" b="0" strike="noStrike" cap="none" dirty="0">
-              <a:solidFill>
-                <a:schemeClr val="tx1">
-                  <a:lumMod val="75000"/>
-                  <a:lumOff val="25000"/>
-                </a:schemeClr>
-              </a:solidFill>
-              <a:latin typeface="맑은 고딕" charset="0"/>
-              <a:ea typeface="맑은 고딕" charset="0"/>
-            </a:endParaRPr>
-          </a:p>
-          <a:p>
-            <a:pPr marL="228600" indent="-228600" algn="l" defTabSz="914400" fontAlgn="auto">
-              <a:lnSpc>
-                <a:spcPct val="90000"/>
-              </a:lnSpc>
-              <a:spcBef>
-                <a:spcPts val="1000"/>
-              </a:spcBef>
-              <a:spcAft>
-                <a:spcPts val="0"/>
-              </a:spcAft>
-              <a:buFont typeface="맑은 고딕"/>
-              <a:buChar char="•"/>
-            </a:pPr>
-            <a:endParaRPr lang="ko-KR" altLang="en-US" sz="2800" b="0" strike="noStrike" cap="none" dirty="0">
-              <a:solidFill>
-                <a:schemeClr val="tx1">
-                  <a:lumMod val="75000"/>
-                  <a:lumOff val="25000"/>
-                </a:schemeClr>
-              </a:solidFill>
-              <a:latin typeface="맑은 고딕" charset="0"/>
-              <a:ea typeface="맑은 고딕" charset="0"/>
-            </a:endParaRPr>
-          </a:p>
-          <a:p>
-            <a:pPr marL="228600" indent="-228600" algn="l" defTabSz="914400" fontAlgn="auto">
-              <a:lnSpc>
-                <a:spcPct val="90000"/>
-              </a:lnSpc>
-              <a:spcBef>
-                <a:spcPts val="1000"/>
-              </a:spcBef>
-              <a:spcAft>
-                <a:spcPts val="0"/>
-              </a:spcAft>
-              <a:buFont typeface="맑은 고딕"/>
-              <a:buChar char="•"/>
-            </a:pPr>
-            <a:r>
-              <a:rPr lang="en-US" altLang="ko-KR" sz="2800" b="0" strike="noStrike" cap="none" dirty="0">
-                <a:solidFill>
-                  <a:schemeClr val="tx1">
-                    <a:lumMod val="75000"/>
-                    <a:lumOff val="25000"/>
-                  </a:schemeClr>
-                </a:solidFill>
-                <a:latin typeface="맑은 고딕" charset="0"/>
-                <a:ea typeface="맑은 고딕" charset="0"/>
-              </a:rPr>
-              <a:t>중앙 관제 시스템 연동 GUI 응용 프로그램 </a:t>
-            </a:r>
-            <a:r>
-              <a:rPr lang="ko-KR" altLang="en-US" sz="2800" b="0" strike="noStrike" cap="none" dirty="0">
-                <a:solidFill>
-                  <a:schemeClr val="tx1">
-                    <a:lumMod val="75000"/>
-                    <a:lumOff val="25000"/>
-                  </a:schemeClr>
-                </a:solidFill>
-                <a:latin typeface="맑은 고딕" charset="0"/>
-                <a:ea typeface="맑은 고딕" charset="0"/>
-              </a:rPr>
-              <a:t>제공</a:t>
-            </a:r>
-          </a:p>
-        </p:txBody>
-      </p:sp>
-    </p:spTree>
-  </p:cSld>
-  <p:clrMapOvr>
-    <a:masterClrMapping/>
-  </p:clrMapOvr>
-  <mc:AlternateContent xmlns:mc="http://schemas.openxmlformats.org/markup-compatibility/2006" xmlns:p14="http://schemas.microsoft.com/office/powerpoint/2010/main">
-    <mc:Choice Requires="p14">
-      <p:transition/>
-    </mc:Choice>
-    <mc:Fallback xmlns="">
-      <p:transition spd="slow"/>
-    </mc:Fallback>
-  </mc:AlternateContent>
-</p:sld>
-</file>
-
-<file path=ppt/slides/slide14.xml><?xml version="1.0" encoding="utf-8"?>
-<p:sld xmlns:a="http://schemas.openxmlformats.org/drawingml/2006/main" xmlns:r="http://schemas.openxmlformats.org/officeDocument/2006/relationships" xmlns:p="http://schemas.openxmlformats.org/presentationml/2006/main">
-  <p:cSld>
-    <p:spTree>
-      <p:nvGrpSpPr>
-        <p:cNvPr id="1" name=""/>
-        <p:cNvGrpSpPr/>
-        <p:nvPr/>
-      </p:nvGrpSpPr>
-      <p:grpSpPr>
-        <a:xfrm>
-          <a:off x="0" y="0"/>
-          <a:ext cx="0" cy="0"/>
-          <a:chOff x="0" y="0"/>
-          <a:chExt cx="0" cy="0"/>
-        </a:xfrm>
-      </p:grpSpPr>
-      <p:sp>
-        <p:nvSpPr>
-          <p:cNvPr id="2" name="텍스트 개체 틀 1"/>
-          <p:cNvSpPr txBox="1">
-            <a:spLocks noGrp="1"/>
-          </p:cNvSpPr>
-          <p:nvPr>
-            <p:ph type="title"/>
-          </p:nvPr>
-        </p:nvSpPr>
-        <p:spPr>
-          <a:xfrm>
-            <a:off x="627380" y="212725"/>
-            <a:ext cx="10516235" cy="1326515"/>
-          </a:xfrm>
-          <a:prstGeom prst="rect">
-            <a:avLst/>
-          </a:prstGeom>
-        </p:spPr>
-        <p:txBody>
-          <a:bodyPr vert="horz" wrap="square" lIns="91440" tIns="45720" rIns="91440" bIns="45720" anchor="ctr">
-            <a:normAutofit/>
-          </a:bodyPr>
-          <a:lstStyle/>
-          <a:p>
-            <a:pPr marL="0" indent="0" algn="l" defTabSz="914400" fontAlgn="auto">
-              <a:lnSpc>
-                <a:spcPct val="90000"/>
-              </a:lnSpc>
-              <a:spcBef>
-                <a:spcPts val="0"/>
-              </a:spcBef>
-              <a:spcAft>
-                <a:spcPts val="0"/>
-              </a:spcAft>
-              <a:buFontTx/>
-              <a:buNone/>
-            </a:pPr>
-            <a:r>
-              <a:rPr lang="en-US" altLang="ko-KR" sz="4400" b="0" strike="noStrike" cap="none" dirty="0">
-                <a:latin typeface="맑은 고딕" charset="0"/>
-                <a:ea typeface="맑은 고딕" charset="0"/>
-              </a:rPr>
-              <a:t>발전방향</a:t>
-            </a:r>
-            <a:endParaRPr lang="ko-KR" altLang="en-US" sz="4400" b="0" strike="noStrike" cap="none" dirty="0">
-              <a:latin typeface="맑은 고딕" charset="0"/>
-              <a:ea typeface="맑은 고딕" charset="0"/>
+              <a:rPr lang="en-US" altLang="ko-KR" sz="4400" cap="none" dirty="0" smtClean="0" b="0" strike="noStrike">
+                <a:latin typeface="HY울릉도M" charset="0"/>
+                <a:ea typeface="HY울릉도M" charset="0"/>
+              </a:rPr>
+              <a:t>발전방향 </a:t>
+            </a:r>
+            <a:endParaRPr lang="ko-KR" altLang="en-US" sz="4400" cap="none" dirty="0" smtClean="0" b="0" strike="noStrike">
+              <a:latin typeface="HY울릉도M" charset="0"/>
+              <a:ea typeface="HY울릉도M" charset="0"/>
             </a:endParaRPr>
           </a:p>
         </p:txBody>
@@ -6911,19 +6845,19 @@
         <p:spPr>
           <a:xfrm>
             <a:off x="838200" y="1825625"/>
-            <a:ext cx="10516235" cy="4352290"/>
+            <a:ext cx="10516870" cy="4352925"/>
           </a:xfrm>
           <a:prstGeom prst="rect">
             <a:avLst/>
           </a:prstGeom>
         </p:spPr>
         <p:txBody>
-          <a:bodyPr vert="horz" wrap="square" lIns="91440" tIns="45720" rIns="91440" bIns="45720" anchor="t">
-            <a:normAutofit/>
+          <a:bodyPr wrap="square" lIns="91440" tIns="45720" rIns="91440" bIns="45720" numCol="1" vert="horz" anchor="t">
+            <a:normAutofit fontScale="100000" lnSpcReduction="0"/>
           </a:bodyPr>
           <a:lstStyle/>
           <a:p>
-            <a:pPr marL="0" indent="0" algn="l" defTabSz="914400" fontAlgn="auto">
+            <a:pPr marL="0" indent="0" algn="l" fontAlgn="auto" defTabSz="914400" eaLnBrk="0">
               <a:lnSpc>
                 <a:spcPct val="90000"/>
               </a:lnSpc>
@@ -6936,306 +6870,121 @@
               <a:buFontTx/>
               <a:buNone/>
             </a:pPr>
-            <a:endParaRPr lang="ko-KR" altLang="en-US" sz="1800" b="0" strike="noStrike" cap="none" dirty="0">
-              <a:solidFill>
-                <a:srgbClr val="000000"/>
-              </a:solidFill>
-              <a:latin typeface="맑은 고딕" charset="0"/>
-              <a:ea typeface="맑은 고딕" charset="0"/>
-            </a:endParaRPr>
-          </a:p>
-          <a:p>
-            <a:pPr marL="0" indent="0" algn="l" defTabSz="914400" fontAlgn="auto">
-              <a:lnSpc>
-                <a:spcPct val="90000"/>
-              </a:lnSpc>
-              <a:spcBef>
-                <a:spcPts val="1000"/>
-              </a:spcBef>
-              <a:spcAft>
-                <a:spcPts val="0"/>
-              </a:spcAft>
-              <a:buFontTx/>
-              <a:buNone/>
-            </a:pPr>
-            <a:endParaRPr lang="ko-KR" altLang="en-US" sz="1800" b="0" strike="noStrike" cap="none" dirty="0">
-              <a:solidFill>
-                <a:srgbClr val="000000"/>
-              </a:solidFill>
-              <a:latin typeface="맑은 고딕" charset="0"/>
-              <a:ea typeface="맑은 고딕" charset="0"/>
-            </a:endParaRPr>
-          </a:p>
-          <a:p>
-            <a:pPr marL="0" indent="0" algn="l" defTabSz="914400" fontAlgn="auto">
-              <a:lnSpc>
-                <a:spcPct val="90000"/>
-              </a:lnSpc>
-              <a:spcBef>
-                <a:spcPts val="1000"/>
-              </a:spcBef>
-              <a:spcAft>
-                <a:spcPts val="0"/>
-              </a:spcAft>
-              <a:buFontTx/>
-              <a:buNone/>
-            </a:pPr>
-            <a:endParaRPr lang="ko-KR" altLang="en-US" sz="1800" b="0" strike="noStrike" cap="none" dirty="0">
-              <a:solidFill>
-                <a:srgbClr val="000000"/>
-              </a:solidFill>
-              <a:latin typeface="맑은 고딕" charset="0"/>
-              <a:ea typeface="맑은 고딕" charset="0"/>
-            </a:endParaRPr>
-          </a:p>
-          <a:p>
-            <a:pPr marL="0" indent="0" algn="l" defTabSz="914400" fontAlgn="auto">
-              <a:lnSpc>
-                <a:spcPct val="90000"/>
-              </a:lnSpc>
-              <a:spcBef>
-                <a:spcPts val="1000"/>
-              </a:spcBef>
-              <a:spcAft>
-                <a:spcPts val="0"/>
-              </a:spcAft>
-              <a:buFontTx/>
-              <a:buNone/>
-            </a:pPr>
-            <a:endParaRPr lang="ko-KR" altLang="en-US" sz="1800" b="0" strike="noStrike" cap="none" dirty="0">
-              <a:solidFill>
-                <a:srgbClr val="000000"/>
-              </a:solidFill>
-              <a:latin typeface="맑은 고딕" charset="0"/>
-              <a:ea typeface="맑은 고딕" charset="0"/>
-            </a:endParaRPr>
-          </a:p>
-          <a:p>
-            <a:pPr marL="0" indent="0" algn="l" defTabSz="914400" fontAlgn="auto">
-              <a:lnSpc>
-                <a:spcPct val="90000"/>
-              </a:lnSpc>
-              <a:spcBef>
-                <a:spcPts val="1000"/>
-              </a:spcBef>
-              <a:spcAft>
-                <a:spcPts val="0"/>
-              </a:spcAft>
-              <a:buFontTx/>
-              <a:buNone/>
-            </a:pPr>
-            <a:endParaRPr lang="ko-KR" altLang="en-US" sz="1800" b="0" strike="noStrike" cap="none" dirty="0">
-              <a:solidFill>
-                <a:srgbClr val="000000"/>
-              </a:solidFill>
-              <a:latin typeface="맑은 고딕" charset="0"/>
-              <a:ea typeface="맑은 고딕" charset="0"/>
-            </a:endParaRPr>
-          </a:p>
-          <a:p>
-            <a:pPr marL="0" indent="0" algn="l" defTabSz="914400" fontAlgn="auto">
-              <a:lnSpc>
-                <a:spcPct val="90000"/>
-              </a:lnSpc>
-              <a:spcBef>
-                <a:spcPts val="1000"/>
-              </a:spcBef>
-              <a:spcAft>
-                <a:spcPts val="0"/>
-              </a:spcAft>
-              <a:buFontTx/>
-              <a:buNone/>
-            </a:pPr>
-            <a:endParaRPr lang="ko-KR" altLang="en-US" sz="1800" b="0" strike="noStrike" cap="none" dirty="0">
-              <a:solidFill>
-                <a:srgbClr val="000000"/>
-              </a:solidFill>
-              <a:latin typeface="맑은 고딕" charset="0"/>
-              <a:ea typeface="맑은 고딕" charset="0"/>
-            </a:endParaRPr>
-          </a:p>
-          <a:p>
-            <a:pPr marL="0" indent="0" algn="l" defTabSz="914400" fontAlgn="auto">
-              <a:lnSpc>
-                <a:spcPct val="90000"/>
-              </a:lnSpc>
-              <a:spcBef>
-                <a:spcPts val="1000"/>
-              </a:spcBef>
-              <a:spcAft>
-                <a:spcPts val="0"/>
-              </a:spcAft>
-              <a:buFontTx/>
-              <a:buNone/>
-            </a:pPr>
-            <a:endParaRPr lang="ko-KR" altLang="en-US" sz="1800" b="0" strike="noStrike" cap="none" dirty="0">
-              <a:solidFill>
-                <a:srgbClr val="000000"/>
-              </a:solidFill>
-              <a:latin typeface="맑은 고딕" charset="0"/>
-              <a:ea typeface="맑은 고딕" charset="0"/>
-            </a:endParaRPr>
-          </a:p>
-          <a:p>
-            <a:pPr marL="0" indent="0" algn="l" defTabSz="914400" fontAlgn="auto">
-              <a:lnSpc>
-                <a:spcPct val="90000"/>
-              </a:lnSpc>
-              <a:spcBef>
-                <a:spcPts val="1000"/>
-              </a:spcBef>
-              <a:spcAft>
-                <a:spcPts val="0"/>
-              </a:spcAft>
-              <a:buFontTx/>
-              <a:buNone/>
-            </a:pPr>
-            <a:endParaRPr lang="ko-KR" altLang="en-US" sz="1800" b="0" strike="noStrike" cap="none" dirty="0">
-              <a:solidFill>
-                <a:srgbClr val="000000"/>
-              </a:solidFill>
-              <a:latin typeface="맑은 고딕" charset="0"/>
-              <a:ea typeface="맑은 고딕" charset="0"/>
-            </a:endParaRPr>
-          </a:p>
-          <a:p>
-            <a:pPr marL="0" indent="0" algn="l" defTabSz="914400" fontAlgn="auto">
-              <a:lnSpc>
-                <a:spcPct val="90000"/>
-              </a:lnSpc>
-              <a:spcBef>
-                <a:spcPts val="1000"/>
-              </a:spcBef>
-              <a:spcAft>
-                <a:spcPts val="0"/>
-              </a:spcAft>
-              <a:buFontTx/>
-              <a:buNone/>
-            </a:pPr>
-            <a:r>
-              <a:rPr lang="en-US" altLang="ko-KR" sz="3200" b="0" strike="noStrike" cap="none" spc="-30" dirty="0">
-                <a:solidFill>
-                  <a:srgbClr val="000000"/>
-                </a:solidFill>
-                <a:latin typeface="맑은 고딕" charset="0"/>
-                <a:ea typeface="맑은 고딕" charset="0"/>
-              </a:rPr>
-              <a:t>공공기관 화장실 관리 시스템을 구현</a:t>
-            </a:r>
-            <a:r>
-              <a:rPr lang="en-US" altLang="ko-KR" sz="1800" b="0" strike="noStrike" cap="none" spc="-30" dirty="0">
-                <a:solidFill>
-                  <a:srgbClr val="000000"/>
-                </a:solidFill>
-                <a:latin typeface="맑은 고딕" charset="0"/>
-                <a:ea typeface="맑은 고딕" charset="0"/>
-              </a:rPr>
-              <a:t>할 수 있다. </a:t>
-            </a:r>
-            <a:endParaRPr lang="ko-KR" altLang="en-US" sz="1800" b="0" strike="noStrike" cap="none" dirty="0">
-              <a:solidFill>
-                <a:srgbClr val="000000"/>
-              </a:solidFill>
-              <a:latin typeface="맑은 고딕" charset="0"/>
-              <a:ea typeface="맑은 고딕" charset="0"/>
-            </a:endParaRPr>
-          </a:p>
-          <a:p>
-            <a:pPr marL="0" indent="0" algn="l" defTabSz="914400" fontAlgn="auto">
-              <a:lnSpc>
-                <a:spcPct val="90000"/>
-              </a:lnSpc>
-              <a:spcBef>
-                <a:spcPts val="1000"/>
-              </a:spcBef>
-              <a:spcAft>
-                <a:spcPts val="0"/>
-              </a:spcAft>
-              <a:buFontTx/>
-              <a:buNone/>
-            </a:pPr>
-            <a:r>
-              <a:rPr lang="en-US" altLang="ko-KR" sz="2800" b="0" strike="noStrike" cap="none" spc="-20" dirty="0">
-                <a:solidFill>
-                  <a:srgbClr val="000000"/>
-                </a:solidFill>
-                <a:latin typeface="맑은 고딕" charset="0"/>
-                <a:ea typeface="맑은 고딕" charset="0"/>
-              </a:rPr>
-              <a:t>지하철 승객 유동량이 많은 </a:t>
-            </a:r>
-            <a:r>
-              <a:rPr lang="en-US" altLang="ko-KR" sz="2800" b="0" strike="noStrike" cap="none" spc="-20" dirty="0">
+            <a:r>
+              <a:rPr lang="en-US" altLang="ko-KR" sz="3200" cap="none" dirty="0" smtClean="0" b="0" strike="noStrike">
                 <a:solidFill>
                   <a:schemeClr val="tx1"/>
                 </a:solidFill>
-                <a:latin typeface="맑은 고딕" charset="0"/>
-                <a:ea typeface="맑은 고딕" charset="0"/>
-              </a:rPr>
-              <a:t>지하철역</a:t>
-            </a:r>
-            <a:r>
-              <a:rPr lang="en-US" altLang="ko-KR" sz="2800" b="0" strike="noStrike" cap="none" spc="-20" dirty="0">
+                <a:latin typeface="HY울릉도M" charset="0"/>
+                <a:ea typeface="HY울릉도M" charset="0"/>
+              </a:rPr>
+              <a:t>1. 다양한 장소에서 에너지 절약 및 통제 관리 시스템에 응용할 수 있다.</a:t>
+            </a:r>
+            <a:endParaRPr lang="ko-KR" altLang="en-US" sz="3200" cap="none" dirty="0" smtClean="0" b="0" strike="noStrike">
+              <a:solidFill>
+                <a:schemeClr val="tx1"/>
+              </a:solidFill>
+              <a:latin typeface="HY울릉도M" charset="0"/>
+              <a:ea typeface="HY울릉도M" charset="0"/>
+            </a:endParaRPr>
+          </a:p>
+          <a:p>
+            <a:pPr marL="0" indent="0" algn="l" fontAlgn="auto" defTabSz="914400" eaLnBrk="0">
+              <a:lnSpc>
+                <a:spcPct val="90000"/>
+              </a:lnSpc>
+              <a:spcBef>
+                <a:spcPts val="1000"/>
+              </a:spcBef>
+              <a:spcAft>
+                <a:spcPts val="0"/>
+              </a:spcAft>
+              <a:buFontTx/>
+              <a:buNone/>
+            </a:pPr>
+            <a:r>
+              <a:rPr lang="en-US" altLang="ko-KR" sz="3200" cap="none" dirty="0" smtClean="0" b="0" strike="noStrike">
                 <a:solidFill>
-                  <a:srgbClr val="000000"/>
+                  <a:schemeClr val="tx1"/>
                 </a:solidFill>
-                <a:latin typeface="맑은 고딕" charset="0"/>
-                <a:ea typeface="맑은 고딕" charset="0"/>
-              </a:rPr>
-              <a:t>에 화장실 관리 시스템을 설치</a:t>
-            </a:r>
-            <a:r>
-              <a:rPr lang="en-US" altLang="ko-KR" sz="2000" b="0" strike="noStrike" cap="none" spc="-30" dirty="0">
+                <a:latin typeface="HY울릉도M" charset="0"/>
+                <a:ea typeface="HY울릉도M" charset="0"/>
+              </a:rPr>
+              <a:t>2. </a:t>
+            </a:r>
+            <a:r>
+              <a:rPr lang="en-US" altLang="ko-KR" sz="2800" cap="none" spc="-20" dirty="0" smtClean="0" b="0" strike="noStrike">
                 <a:solidFill>
-                  <a:srgbClr val="000000"/>
+                  <a:schemeClr val="tx1"/>
                 </a:solidFill>
-                <a:latin typeface="맑은 고딕" charset="0"/>
-                <a:ea typeface="맑은 고딕" charset="0"/>
-              </a:rPr>
-              <a:t> </a:t>
-            </a:r>
-            <a:endParaRPr lang="ko-KR" altLang="en-US" sz="4400" b="0" strike="noStrike" cap="none" dirty="0">
+                <a:latin typeface="HY울릉도M" charset="0"/>
+                <a:ea typeface="HY울릉도M" charset="0"/>
+              </a:rPr>
+              <a:t>지하철 승객 유동량이 많은 지하철역 및 공공기관에 화장실 관리 시스템을 설치할수 있다.</a:t>
+            </a:r>
+            <a:endParaRPr lang="ko-KR" altLang="en-US" sz="2000" cap="none" dirty="0" smtClean="0" b="0" strike="noStrike">
               <a:solidFill>
-                <a:schemeClr val="tx1">
-                  <a:lumMod val="75000"/>
-                  <a:lumOff val="25000"/>
-                </a:schemeClr>
+                <a:schemeClr val="tx1"/>
               </a:solidFill>
-              <a:latin typeface="맑은 고딕" charset="0"/>
-              <a:ea typeface="맑은 고딕" charset="0"/>
+              <a:latin typeface="HY울릉도M" charset="0"/>
+              <a:ea typeface="HY울릉도M" charset="0"/>
+            </a:endParaRPr>
+          </a:p>
+          <a:p>
+            <a:pPr marL="0" indent="0" algn="l" fontAlgn="auto" defTabSz="914400" eaLnBrk="0">
+              <a:lnSpc>
+                <a:spcPct val="90000"/>
+              </a:lnSpc>
+              <a:spcBef>
+                <a:spcPts val="1000"/>
+              </a:spcBef>
+              <a:spcAft>
+                <a:spcPts val="0"/>
+              </a:spcAft>
+              <a:buFontTx/>
+              <a:buNone/>
+            </a:pPr>
+            <a:endParaRPr lang="ko-KR" altLang="en-US" sz="3200" cap="none" dirty="0" smtClean="0" b="0" strike="noStrike">
+              <a:solidFill>
+                <a:schemeClr val="tx1"/>
+              </a:solidFill>
+              <a:latin typeface="HY울릉도M" charset="0"/>
+              <a:ea typeface="HY울릉도M" charset="0"/>
             </a:endParaRPr>
           </a:p>
         </p:txBody>
       </p:sp>
       <p:pic>
         <p:nvPicPr>
-          <p:cNvPr id="4" name="그림 3" descr="C:/Users/Administrator/AppData/Roaming/PolarisOffice/ETemp/15968_4202728/fImage1513884526962.jpeg"/>
+          <p:cNvPr id="4" name="그림 3" descr="C:/Users/Administrator/AppData/Roaming/PolarisOffice/ETemp/6472_3077952/image18.jpeg"/>
           <p:cNvPicPr>
             <a:picLocks noChangeAspect="1"/>
           </p:cNvPicPr>
           <p:nvPr/>
         </p:nvPicPr>
         <p:blipFill rotWithShape="1">
-          <a:blip r:embed="rId2">
+          <a:blip r:embed="rId1">
             <a:extLst>
               <a:ext uri="{28A0092B-C50C-407E-A947-70E740481C1C}">
                 <a14:useLocalDpi xmlns:a14="http://schemas.microsoft.com/office/drawing/2010/main" val="0"/>
               </a:ext>
             </a:extLst>
           </a:blip>
+          <a:srcRect/>
           <a:stretch>
             <a:fillRect/>
           </a:stretch>
         </p:blipFill>
         <p:spPr>
-          <a:xfrm>
-            <a:off x="4164965" y="660400"/>
-            <a:ext cx="6985635" cy="3950335"/>
+          <a:xfrm rot="0">
+            <a:off x="6644005" y="3515360"/>
+            <a:ext cx="4156075" cy="2623185"/>
           </a:xfrm>
-          <a:prstGeom prst="rect">
-            <a:avLst/>
-          </a:prstGeom>
+          <a:prstGeom prst="rect"/>
           <a:noFill/>
+          <a:effectLst>
+            <a:softEdge rad="112522"/>
+          </a:effectLst>
         </p:spPr>
       </p:pic>
     </p:spTree>
@@ -7243,11 +6992,26 @@
   <p:clrMapOvr>
     <a:masterClrMapping/>
   </p:clrMapOvr>
+  <mc:AlternateContent xmlns:mc="http://schemas.openxmlformats.org/markup-compatibility/2006">
+    <mc:Choice xmlns:p14="http://schemas.microsoft.com/office/powerpoint/2010/main" Requires="p14">
+      <p:transition spd="slow" p14:dur="2000"/>
+    </mc:Choice>
+    <mc:Fallback>
+      <p:transition spd="slow"/>
+    </mc:Fallback>
+  </mc:AlternateContent>
+  <p:timing>
+    <p:tnLst>
+      <p:par>
+        <p:cTn id="1" dur="indefinite" restart="never" nodeType="tmRoot"/>
+      </p:par>
+    </p:tnLst>
+  </p:timing>
 </p:sld>
 </file>
 
 <file path=ppt/slides/slide15.xml><?xml version="1.0" encoding="utf-8"?>
-<p:sld xmlns:a="http://schemas.openxmlformats.org/drawingml/2006/main" xmlns:r="http://schemas.openxmlformats.org/officeDocument/2006/relationships" xmlns:p="http://schemas.openxmlformats.org/presentationml/2006/main">
+<p:sld xmlns:a="http://schemas.openxmlformats.org/drawingml/2006/main" xmlns:r="http://schemas.openxmlformats.org/officeDocument/2006/relationships" xmlns:p="http://schemas.openxmlformats.org/presentationml/2006/main" xmlns:p14="http://schemas.microsoft.com/office/powerpoint/2010/main">
   <p:cSld>
     <p:spTree>
       <p:nvGrpSpPr>
@@ -7276,19 +7040,19 @@
         <p:spPr>
           <a:xfrm>
             <a:off x="838200" y="365125"/>
-            <a:ext cx="10516235" cy="1326515"/>
+            <a:ext cx="10516870" cy="1327150"/>
           </a:xfrm>
           <a:prstGeom prst="rect">
             <a:avLst/>
           </a:prstGeom>
         </p:spPr>
         <p:txBody>
-          <a:bodyPr vert="horz" wrap="square" lIns="91440" tIns="45720" rIns="91440" bIns="45720" anchor="ctr">
-            <a:normAutofit/>
+          <a:bodyPr wrap="square" lIns="91440" tIns="45720" rIns="91440" bIns="45720" numCol="1" vert="horz" anchor="ctr">
+            <a:normAutofit fontScale="100000" lnSpcReduction="0"/>
           </a:bodyPr>
           <a:lstStyle/>
           <a:p>
-            <a:pPr marL="0" indent="0" algn="l" defTabSz="914400" fontAlgn="auto">
+            <a:pPr marL="0" indent="0" algn="l" fontAlgn="auto" defTabSz="914400" eaLnBrk="0">
               <a:lnSpc>
                 <a:spcPct val="90000"/>
               </a:lnSpc>
@@ -7302,15 +7066,15 @@
               <a:buNone/>
             </a:pPr>
             <a:r>
-              <a:rPr lang="en-US" altLang="ko-KR" sz="4400" b="0" strike="noStrike" cap="none" dirty="0">
-                <a:latin typeface="맑은 고딕" charset="0"/>
-                <a:ea typeface="맑은 고딕" charset="0"/>
-              </a:rPr>
-              <a:t>발전방향</a:t>
-            </a:r>
-            <a:endParaRPr lang="ko-KR" altLang="en-US" sz="4400" b="0" strike="noStrike" cap="none" dirty="0">
-              <a:latin typeface="맑은 고딕" charset="0"/>
-              <a:ea typeface="맑은 고딕" charset="0"/>
+              <a:rPr lang="en-US" altLang="ko-KR" sz="4400" cap="none" dirty="0" smtClean="0" b="0" strike="noStrike">
+                <a:latin typeface="HY울릉도M" charset="0"/>
+                <a:ea typeface="HY울릉도M" charset="0"/>
+              </a:rPr>
+              <a:t>개선방향</a:t>
+            </a:r>
+            <a:endParaRPr lang="ko-KR" altLang="en-US" sz="4400" cap="none" dirty="0" smtClean="0" b="0" strike="noStrike">
+              <a:latin typeface="HY울릉도M" charset="0"/>
+              <a:ea typeface="HY울릉도M" charset="0"/>
             </a:endParaRPr>
           </a:p>
         </p:txBody>
@@ -7328,19 +7092,19 @@
         <p:spPr>
           <a:xfrm>
             <a:off x="838200" y="1825625"/>
-            <a:ext cx="10516235" cy="4352290"/>
+            <a:ext cx="10516870" cy="4352925"/>
           </a:xfrm>
           <a:prstGeom prst="rect">
             <a:avLst/>
           </a:prstGeom>
         </p:spPr>
         <p:txBody>
-          <a:bodyPr vert="horz" wrap="square" lIns="91440" tIns="45720" rIns="91440" bIns="45720" anchor="t">
-            <a:normAutofit/>
+          <a:bodyPr wrap="square" lIns="91440" tIns="45720" rIns="91440" bIns="45720" numCol="1" vert="horz" anchor="t">
+            <a:normAutofit fontScale="100000" lnSpcReduction="0"/>
           </a:bodyPr>
           <a:lstStyle/>
           <a:p>
-            <a:pPr marL="228600" indent="-228600" algn="l" defTabSz="914400" fontAlgn="auto">
+            <a:pPr marL="228600" indent="-228600" algn="l" fontAlgn="auto" defTabSz="914400" eaLnBrk="0">
               <a:lnSpc>
                 <a:spcPct val="90000"/>
               </a:lnSpc>
@@ -7357,27 +7121,150 @@
               <a:buChar char="•"/>
             </a:pPr>
             <a:r>
-              <a:rPr lang="en-US" altLang="ko-KR" sz="3200" b="0" strike="noStrike" cap="none" dirty="0">
+              <a:rPr lang="en-US" altLang="ko-KR" sz="2800" cap="none" dirty="0" smtClean="0" b="0" strike="noStrike">
                 <a:solidFill>
                   <a:schemeClr val="tx1">
                     <a:lumMod val="75000"/>
                     <a:lumOff val="25000"/>
                   </a:schemeClr>
                 </a:solidFill>
-                <a:latin typeface="맑은 고딕" charset="0"/>
-                <a:ea typeface="맑은 고딕" charset="0"/>
-              </a:rPr>
-              <a:t>다양한 장소에서 에너지 절약 및 통제 관리 시스템에 응용할 수 있다.</a:t>
-            </a:r>
-            <a:endParaRPr lang="ko-KR" altLang="en-US" sz="3200" b="0" strike="noStrike" cap="none" dirty="0">
+                <a:latin typeface="HY울릉도M" charset="0"/>
+                <a:ea typeface="HY울릉도M" charset="0"/>
+              </a:rPr>
+              <a:t>변기 수위 측정 센서를 더 감도 높은 센서로 부착하여 정확성을 높인다.</a:t>
+            </a:r>
+            <a:endParaRPr lang="ko-KR" altLang="en-US" sz="2800" cap="none" dirty="0" smtClean="0" b="0" strike="noStrike">
               <a:solidFill>
                 <a:schemeClr val="tx1">
                   <a:lumMod val="75000"/>
                   <a:lumOff val="25000"/>
                 </a:schemeClr>
               </a:solidFill>
-              <a:latin typeface="맑은 고딕" charset="0"/>
-              <a:ea typeface="맑은 고딕" charset="0"/>
+              <a:latin typeface="HY울릉도M" charset="0"/>
+              <a:ea typeface="HY울릉도M" charset="0"/>
+            </a:endParaRPr>
+          </a:p>
+          <a:p>
+            <a:pPr marL="228600" indent="-228600" algn="l" fontAlgn="auto" defTabSz="914400" eaLnBrk="0">
+              <a:lnSpc>
+                <a:spcPct val="90000"/>
+              </a:lnSpc>
+              <a:spcBef>
+                <a:spcPts val="1000"/>
+              </a:spcBef>
+              <a:spcAft>
+                <a:spcPts val="0"/>
+              </a:spcAft>
+              <a:buClr>
+                <a:srgbClr val="404040"/>
+              </a:buClr>
+              <a:buFont typeface="맑은 고딕"/>
+              <a:buChar char="•"/>
+            </a:pPr>
+            <a:r>
+              <a:rPr lang="en-US" altLang="ko-KR" sz="2800" cap="none" dirty="0" smtClean="0" b="0" strike="noStrike">
+                <a:solidFill>
+                  <a:schemeClr val="tx1">
+                    <a:lumMod val="75000"/>
+                    <a:lumOff val="25000"/>
+                  </a:schemeClr>
+                </a:solidFill>
+                <a:latin typeface="HY울릉도M" charset="0"/>
+                <a:ea typeface="HY울릉도M" charset="0"/>
+              </a:rPr>
+              <a:t>조도 센서 및 인체감지 센서를 추가하여 스마트하게 전기기구를 키고 끌 수 있게 함</a:t>
+            </a:r>
+            <a:endParaRPr lang="ko-KR" altLang="en-US" sz="2800" cap="none" dirty="0" smtClean="0" b="0" strike="noStrike">
+              <a:solidFill>
+                <a:schemeClr val="tx1">
+                  <a:lumMod val="75000"/>
+                  <a:lumOff val="25000"/>
+                </a:schemeClr>
+              </a:solidFill>
+              <a:latin typeface="HY울릉도M" charset="0"/>
+              <a:ea typeface="HY울릉도M" charset="0"/>
+            </a:endParaRPr>
+          </a:p>
+          <a:p>
+            <a:pPr marL="228600" indent="-228600" algn="l" fontAlgn="auto" defTabSz="914400" eaLnBrk="0">
+              <a:lnSpc>
+                <a:spcPct val="90000"/>
+              </a:lnSpc>
+              <a:spcBef>
+                <a:spcPts val="1000"/>
+              </a:spcBef>
+              <a:spcAft>
+                <a:spcPts val="0"/>
+              </a:spcAft>
+              <a:buClr>
+                <a:srgbClr val="404040"/>
+              </a:buClr>
+              <a:buFont typeface="맑은 고딕"/>
+              <a:buChar char="•"/>
+            </a:pPr>
+            <a:r>
+              <a:rPr lang="en-US" altLang="ko-KR" sz="2800" cap="none" dirty="0" smtClean="0" b="0" strike="noStrike">
+                <a:solidFill>
+                  <a:schemeClr val="tx1">
+                    <a:lumMod val="75000"/>
+                    <a:lumOff val="25000"/>
+                  </a:schemeClr>
+                </a:solidFill>
+                <a:latin typeface="HY울릉도M" charset="0"/>
+                <a:ea typeface="HY울릉도M" charset="0"/>
+              </a:rPr>
+              <a:t>생활관에 먼지센서를 추가하여 그 값에 따른 자동창문개폐장치 기능 추가할 예정</a:t>
+            </a:r>
+            <a:endParaRPr lang="ko-KR" altLang="en-US" sz="2800" cap="none" dirty="0" smtClean="0" b="0" strike="noStrike">
+              <a:solidFill>
+                <a:schemeClr val="tx1">
+                  <a:lumMod val="75000"/>
+                  <a:lumOff val="25000"/>
+                </a:schemeClr>
+              </a:solidFill>
+              <a:latin typeface="HY울릉도M" charset="0"/>
+              <a:ea typeface="HY울릉도M" charset="0"/>
+            </a:endParaRPr>
+          </a:p>
+          <a:p>
+            <a:pPr marL="228600" indent="-228600" algn="l" fontAlgn="auto" defTabSz="914400" eaLnBrk="0">
+              <a:lnSpc>
+                <a:spcPct val="90000"/>
+              </a:lnSpc>
+              <a:spcBef>
+                <a:spcPts val="1000"/>
+              </a:spcBef>
+              <a:spcAft>
+                <a:spcPts val="0"/>
+              </a:spcAft>
+              <a:buClr>
+                <a:srgbClr val="404040"/>
+              </a:buClr>
+              <a:buFont typeface="맑은 고딕"/>
+              <a:buChar char="•"/>
+            </a:pPr>
+            <a:r>
+              <a:rPr lang="en-US" altLang="ko-KR" sz="2800" cap="none" dirty="0" smtClean="0" b="0" strike="noStrike">
+                <a:solidFill>
+                  <a:schemeClr val="tx1">
+                    <a:lumMod val="75000"/>
+                    <a:lumOff val="25000"/>
+                  </a:schemeClr>
+                </a:solidFill>
+                <a:latin typeface="HY울릉도M" charset="0"/>
+                <a:ea typeface="HY울릉도M" charset="0"/>
+              </a:rPr>
+              <a:t>병력 통제를 도와주는 시스템 알고리즘을 더 고민하고 개발할 예정 </a:t>
+            </a:r>
+            <a:endParaRPr lang="ko-KR" altLang="en-US" sz="2800" cap="none" dirty="0" smtClean="0" b="0" strike="noStrike">
+              <a:solidFill>
+                <a:schemeClr val="tx1">
+                  <a:lumMod val="75000"/>
+                  <a:lumOff val="25000"/>
+                </a:schemeClr>
+              </a:solidFill>
+              <a:latin typeface="HY울릉도M" charset="0"/>
+              <a:ea typeface="HY울릉도M" charset="0"/>
             </a:endParaRPr>
           </a:p>
         </p:txBody>
@@ -7387,285 +7274,26 @@
   <p:clrMapOvr>
     <a:masterClrMapping/>
   </p:clrMapOvr>
-</p:sld>
-</file>
-
-<file path=ppt/slides/slide16.xml><?xml version="1.0" encoding="utf-8"?>
-<p:sld xmlns:a="http://schemas.openxmlformats.org/drawingml/2006/main" xmlns:r="http://schemas.openxmlformats.org/officeDocument/2006/relationships" xmlns:p="http://schemas.openxmlformats.org/presentationml/2006/main">
-  <p:cSld>
-    <p:spTree>
-      <p:nvGrpSpPr>
-        <p:cNvPr id="1" name=""/>
-        <p:cNvGrpSpPr/>
-        <p:nvPr/>
-      </p:nvGrpSpPr>
-      <p:grpSpPr>
-        <a:xfrm>
-          <a:off x="0" y="0"/>
-          <a:ext cx="0" cy="0"/>
-          <a:chOff x="0" y="0"/>
-          <a:chExt cx="0" cy="0"/>
-        </a:xfrm>
-      </p:grpSpPr>
-      <p:sp>
-        <p:nvSpPr>
-          <p:cNvPr id="2" name="텍스트 개체 틀 1"/>
-          <p:cNvSpPr txBox="1">
-            <a:spLocks noGrp="1"/>
-          </p:cNvSpPr>
-          <p:nvPr>
-            <p:ph type="title"/>
-          </p:nvPr>
-        </p:nvSpPr>
-        <p:spPr>
-          <a:xfrm>
-            <a:off x="838200" y="365125"/>
-            <a:ext cx="10516235" cy="1326515"/>
-          </a:xfrm>
-          <a:prstGeom prst="rect">
-            <a:avLst/>
-          </a:prstGeom>
-        </p:spPr>
-        <p:txBody>
-          <a:bodyPr vert="horz" wrap="square" lIns="91440" tIns="45720" rIns="91440" bIns="45720" anchor="ctr">
-            <a:normAutofit/>
-          </a:bodyPr>
-          <a:lstStyle/>
-          <a:p>
-            <a:pPr marL="0" indent="0" algn="l" defTabSz="914400" fontAlgn="auto">
-              <a:lnSpc>
-                <a:spcPct val="90000"/>
-              </a:lnSpc>
-              <a:spcBef>
-                <a:spcPts val="0"/>
-              </a:spcBef>
-              <a:spcAft>
-                <a:spcPts val="0"/>
-              </a:spcAft>
-              <a:buFontTx/>
-              <a:buNone/>
-            </a:pPr>
-            <a:r>
-              <a:rPr lang="ko-KR" altLang="en-US" dirty="0">
-                <a:latin typeface="맑은 고딕" charset="0"/>
-                <a:ea typeface="맑은 고딕" charset="0"/>
-              </a:rPr>
-              <a:t>개선</a:t>
-            </a:r>
-            <a:r>
-              <a:rPr lang="en-US" altLang="ko-KR" sz="4400" b="0" strike="noStrike" cap="none" dirty="0">
-                <a:latin typeface="맑은 고딕" charset="0"/>
-                <a:ea typeface="맑은 고딕" charset="0"/>
-              </a:rPr>
-              <a:t>방향</a:t>
-            </a:r>
-            <a:endParaRPr lang="ko-KR" altLang="en-US" sz="4400" b="0" strike="noStrike" cap="none" dirty="0">
-              <a:latin typeface="맑은 고딕" charset="0"/>
-              <a:ea typeface="맑은 고딕" charset="0"/>
-            </a:endParaRPr>
-          </a:p>
-        </p:txBody>
-      </p:sp>
-      <p:sp>
-        <p:nvSpPr>
-          <p:cNvPr id="3" name="내용 개체 틀 2"/>
-          <p:cNvSpPr txBox="1">
-            <a:spLocks noGrp="1"/>
-          </p:cNvSpPr>
-          <p:nvPr>
-            <p:ph idx="1"/>
-          </p:nvPr>
-        </p:nvSpPr>
-        <p:spPr>
-          <a:xfrm>
-            <a:off x="838200" y="1825625"/>
-            <a:ext cx="10516235" cy="4352290"/>
-          </a:xfrm>
-          <a:prstGeom prst="rect">
-            <a:avLst/>
-          </a:prstGeom>
-        </p:spPr>
-        <p:txBody>
-          <a:bodyPr vert="horz" wrap="square" lIns="91440" tIns="45720" rIns="91440" bIns="45720" anchor="t">
-            <a:normAutofit/>
-          </a:bodyPr>
-          <a:lstStyle/>
-          <a:p>
-            <a:pPr marL="228600" indent="-228600" algn="l" defTabSz="914400" fontAlgn="auto">
-              <a:lnSpc>
-                <a:spcPct val="90000"/>
-              </a:lnSpc>
-              <a:spcBef>
-                <a:spcPts val="1000"/>
-              </a:spcBef>
-              <a:spcAft>
-                <a:spcPts val="0"/>
-              </a:spcAft>
-              <a:buClr>
-                <a:srgbClr val="404040"/>
-              </a:buClr>
-              <a:buFont typeface="맑은 고딕"/>
-              <a:buChar char="•"/>
-            </a:pPr>
-            <a:r>
-              <a:rPr lang="en-US" altLang="ko-KR" sz="2800" b="0" strike="noStrike" cap="none" dirty="0">
-                <a:solidFill>
-                  <a:schemeClr val="tx1">
-                    <a:lumMod val="75000"/>
-                    <a:lumOff val="25000"/>
-                  </a:schemeClr>
-                </a:solidFill>
-                <a:latin typeface="맑은 고딕" charset="0"/>
-                <a:ea typeface="맑은 고딕" charset="0"/>
-              </a:rPr>
-              <a:t>변기 수위 측정 센서를 더 감도 높은 센서로 부착하여 정확성을 높인다.</a:t>
-            </a:r>
-            <a:endParaRPr lang="ko-KR" altLang="en-US" sz="2800" b="0" strike="noStrike" cap="none" dirty="0">
-              <a:solidFill>
-                <a:schemeClr val="tx1">
-                  <a:lumMod val="75000"/>
-                  <a:lumOff val="25000"/>
-                </a:schemeClr>
-              </a:solidFill>
-              <a:latin typeface="맑은 고딕" charset="0"/>
-              <a:ea typeface="맑은 고딕" charset="0"/>
-            </a:endParaRPr>
-          </a:p>
-          <a:p>
-            <a:pPr marL="228600" indent="-228600" algn="l" defTabSz="914400" fontAlgn="auto">
-              <a:lnSpc>
-                <a:spcPct val="90000"/>
-              </a:lnSpc>
-              <a:spcBef>
-                <a:spcPts val="1000"/>
-              </a:spcBef>
-              <a:spcAft>
-                <a:spcPts val="0"/>
-              </a:spcAft>
-              <a:buClr>
-                <a:srgbClr val="404040"/>
-              </a:buClr>
-              <a:buFont typeface="맑은 고딕"/>
-              <a:buChar char="•"/>
-            </a:pPr>
-            <a:r>
-              <a:rPr lang="en-US" altLang="ko-KR" sz="2800" b="0" strike="noStrike" cap="none" dirty="0">
-                <a:solidFill>
-                  <a:schemeClr val="tx1">
-                    <a:lumMod val="75000"/>
-                    <a:lumOff val="25000"/>
-                  </a:schemeClr>
-                </a:solidFill>
-                <a:latin typeface="맑은 고딕" charset="0"/>
-                <a:ea typeface="맑은 고딕" charset="0"/>
-              </a:rPr>
-              <a:t>조도 센서 및 인체감지 센서를 추가하여 스마트하게 전기기구를 키고 끌 수 있게 함</a:t>
-            </a:r>
-            <a:endParaRPr lang="ko-KR" altLang="en-US" sz="2800" b="0" strike="noStrike" cap="none" dirty="0">
-              <a:solidFill>
-                <a:schemeClr val="tx1">
-                  <a:lumMod val="75000"/>
-                  <a:lumOff val="25000"/>
-                </a:schemeClr>
-              </a:solidFill>
-              <a:latin typeface="맑은 고딕" charset="0"/>
-              <a:ea typeface="맑은 고딕" charset="0"/>
-            </a:endParaRPr>
-          </a:p>
-          <a:p>
-            <a:pPr marL="228600" indent="-228600" algn="l" defTabSz="914400" fontAlgn="auto">
-              <a:lnSpc>
-                <a:spcPct val="90000"/>
-              </a:lnSpc>
-              <a:spcBef>
-                <a:spcPts val="1000"/>
-              </a:spcBef>
-              <a:spcAft>
-                <a:spcPts val="0"/>
-              </a:spcAft>
-              <a:buClr>
-                <a:srgbClr val="404040"/>
-              </a:buClr>
-              <a:buFont typeface="맑은 고딕"/>
-              <a:buChar char="•"/>
-            </a:pPr>
-            <a:r>
-              <a:rPr lang="en-US" altLang="ko-KR" sz="2800" b="0" strike="noStrike" cap="none" dirty="0">
-                <a:solidFill>
-                  <a:schemeClr val="tx1">
-                    <a:lumMod val="75000"/>
-                    <a:lumOff val="25000"/>
-                  </a:schemeClr>
-                </a:solidFill>
-                <a:latin typeface="맑은 고딕" charset="0"/>
-                <a:ea typeface="맑은 고딕" charset="0"/>
-              </a:rPr>
-              <a:t>생활관에 먼지센서를 추가하여 그 값에 따른 자동창문개폐장치 기능 추가할 예정</a:t>
-            </a:r>
-            <a:endParaRPr lang="ko-KR" altLang="en-US" sz="2800" b="0" strike="noStrike" cap="none" dirty="0">
-              <a:solidFill>
-                <a:schemeClr val="tx1">
-                  <a:lumMod val="75000"/>
-                  <a:lumOff val="25000"/>
-                </a:schemeClr>
-              </a:solidFill>
-              <a:latin typeface="맑은 고딕" charset="0"/>
-              <a:ea typeface="맑은 고딕" charset="0"/>
-            </a:endParaRPr>
-          </a:p>
-          <a:p>
-            <a:pPr marL="228600" indent="-228600" algn="l" defTabSz="914400" fontAlgn="auto">
-              <a:lnSpc>
-                <a:spcPct val="90000"/>
-              </a:lnSpc>
-              <a:spcBef>
-                <a:spcPts val="1000"/>
-              </a:spcBef>
-              <a:spcAft>
-                <a:spcPts val="0"/>
-              </a:spcAft>
-              <a:buClr>
-                <a:srgbClr val="404040"/>
-              </a:buClr>
-              <a:buFont typeface="맑은 고딕"/>
-              <a:buChar char="•"/>
-            </a:pPr>
-            <a:r>
-              <a:rPr lang="en-US" altLang="ko-KR" sz="2800" b="0" strike="noStrike" cap="none" dirty="0">
-                <a:solidFill>
-                  <a:schemeClr val="tx1">
-                    <a:lumMod val="75000"/>
-                    <a:lumOff val="25000"/>
-                  </a:schemeClr>
-                </a:solidFill>
-                <a:latin typeface="맑은 고딕" charset="0"/>
-                <a:ea typeface="맑은 고딕" charset="0"/>
-              </a:rPr>
-              <a:t>병력 통제를 도와주는 시스템 알고리즘을 더 고민하고 개발할 예정 </a:t>
-            </a:r>
-            <a:endParaRPr lang="ko-KR" altLang="en-US" sz="2800" b="0" strike="noStrike" cap="none" dirty="0">
-              <a:solidFill>
-                <a:schemeClr val="tx1">
-                  <a:lumMod val="75000"/>
-                  <a:lumOff val="25000"/>
-                </a:schemeClr>
-              </a:solidFill>
-              <a:latin typeface="맑은 고딕" charset="0"/>
-              <a:ea typeface="맑은 고딕" charset="0"/>
-            </a:endParaRPr>
-          </a:p>
-        </p:txBody>
-      </p:sp>
-    </p:spTree>
-  </p:cSld>
-  <p:clrMapOvr>
-    <a:masterClrMapping/>
-  </p:clrMapOvr>
+  <mc:AlternateContent xmlns:mc="http://schemas.openxmlformats.org/markup-compatibility/2006">
+    <mc:Choice xmlns:p14="http://schemas.microsoft.com/office/powerpoint/2010/main" Requires="p14">
+      <p:transition spd="slow" p14:dur="2000"/>
+    </mc:Choice>
+    <mc:Fallback>
+      <p:transition spd="slow"/>
+    </mc:Fallback>
+  </mc:AlternateContent>
+  <p:timing>
+    <p:tnLst>
+      <p:par>
+        <p:cTn id="1" dur="indefinite" restart="never" nodeType="tmRoot"/>
+      </p:par>
+    </p:tnLst>
+  </p:timing>
 </p:sld>
 </file>
 
 <file path=ppt/slides/slide2.xml><?xml version="1.0" encoding="utf-8"?>
-<p:sld xmlns:a="http://schemas.openxmlformats.org/drawingml/2006/main" xmlns:r="http://schemas.openxmlformats.org/officeDocument/2006/relationships" xmlns:p="http://schemas.openxmlformats.org/presentationml/2006/main">
+<p:sld xmlns:a="http://schemas.openxmlformats.org/drawingml/2006/main" xmlns:r="http://schemas.openxmlformats.org/officeDocument/2006/relationships" xmlns:p="http://schemas.openxmlformats.org/presentationml/2006/main" xmlns:p14="http://schemas.microsoft.com/office/powerpoint/2010/main">
   <p:cSld>
     <p:spTree>
       <p:nvGrpSpPr>
@@ -7722,7 +7350,7 @@
       </p:sp>
       <p:pic>
         <p:nvPicPr>
-          <p:cNvPr id="3" name="내용 개체 틀 2" descr="C:/Users/Administrator/AppData/Roaming/PolarisOffice/ETemp/15968_4202728/fImage645064386334.jpeg"/>
+          <p:cNvPr id="3" name="내용 개체 틀 2"/>
           <p:cNvPicPr>
             <a:picLocks noGrp="1" noChangeAspect="1"/>
           </p:cNvPicPr>
@@ -7756,7 +7384,7 @@
       </p:pic>
       <p:pic>
         <p:nvPicPr>
-          <p:cNvPr id="4" name="그림 3" descr="C:/Users/Administrator/AppData/Roaming/PolarisOffice/ETemp/15968_4202728/fImage1856174396500.jpeg"/>
+          <p:cNvPr id="4" name="그림 3"/>
           <p:cNvPicPr>
             <a:picLocks noChangeAspect="1"/>
           </p:cNvPicPr>
@@ -7790,6 +7418,14 @@
   <p:clrMapOvr>
     <a:masterClrMapping/>
   </p:clrMapOvr>
+  <mc:AlternateContent xmlns:mc="http://schemas.openxmlformats.org/markup-compatibility/2006">
+    <mc:Choice xmlns:p14="http://schemas.microsoft.com/office/powerpoint/2010/main" Requires="p14">
+      <p:transition spd="slow" p14:dur="2000"/>
+    </mc:Choice>
+    <mc:Fallback>
+      <p:transition spd="slow"/>
+    </mc:Fallback>
+  </mc:AlternateContent>
   <p:timing>
     <p:tnLst>
       <p:par>
@@ -7821,7 +7457,7 @@
 </file>
 
 <file path=ppt/slides/slide3.xml><?xml version="1.0" encoding="utf-8"?>
-<p:sld xmlns:a="http://schemas.openxmlformats.org/drawingml/2006/main" xmlns:r="http://schemas.openxmlformats.org/officeDocument/2006/relationships" xmlns:p="http://schemas.openxmlformats.org/presentationml/2006/main">
+<p:sld xmlns:a="http://schemas.openxmlformats.org/drawingml/2006/main" xmlns:r="http://schemas.openxmlformats.org/officeDocument/2006/relationships" xmlns:p="http://schemas.openxmlformats.org/presentationml/2006/main" xmlns:p14="http://schemas.microsoft.com/office/powerpoint/2010/main">
   <p:cSld>
     <p:spTree>
       <p:nvGrpSpPr>
@@ -8158,11 +7794,26 @@
   <p:clrMapOvr>
     <a:masterClrMapping/>
   </p:clrMapOvr>
+  <mc:AlternateContent xmlns:mc="http://schemas.openxmlformats.org/markup-compatibility/2006">
+    <mc:Choice xmlns:p14="http://schemas.microsoft.com/office/powerpoint/2010/main" Requires="p14">
+      <p:transition spd="slow" p14:dur="2000"/>
+    </mc:Choice>
+    <mc:Fallback>
+      <p:transition spd="slow"/>
+    </mc:Fallback>
+  </mc:AlternateContent>
+  <p:timing>
+    <p:tnLst>
+      <p:par>
+        <p:cTn id="1" dur="indefinite" restart="never" nodeType="tmRoot"/>
+      </p:par>
+    </p:tnLst>
+  </p:timing>
 </p:sld>
 </file>
 
 <file path=ppt/slides/slide4.xml><?xml version="1.0" encoding="utf-8"?>
-<p:sld xmlns:a="http://schemas.openxmlformats.org/drawingml/2006/main" xmlns:r="http://schemas.openxmlformats.org/officeDocument/2006/relationships" xmlns:p="http://schemas.openxmlformats.org/presentationml/2006/main">
+<p:sld xmlns:a="http://schemas.openxmlformats.org/drawingml/2006/main" xmlns:r="http://schemas.openxmlformats.org/officeDocument/2006/relationships" xmlns:p="http://schemas.openxmlformats.org/presentationml/2006/main" xmlns:p14="http://schemas.microsoft.com/office/powerpoint/2010/main">
   <p:cSld>
     <p:spTree>
       <p:nvGrpSpPr>
@@ -8595,19 +8246,26 @@
   <p:clrMapOvr>
     <a:masterClrMapping/>
   </p:clrMapOvr>
-  <mc:AlternateContent xmlns:mc="http://schemas.openxmlformats.org/markup-compatibility/2006" xmlns:p14="http://schemas.microsoft.com/office/powerpoint/2010/main">
-    <mc:Choice Requires="p14">
-      <p:transition/>
+  <mc:AlternateContent xmlns:mc="http://schemas.openxmlformats.org/markup-compatibility/2006">
+    <mc:Choice xmlns:p14="http://schemas.microsoft.com/office/powerpoint/2010/main" Requires="p14">
+      <p:transition spd="slow" p14:dur="500"/>
     </mc:Choice>
-    <mc:Fallback xmlns="">
+    <mc:Fallback>
       <p:transition spd="slow"/>
     </mc:Fallback>
   </mc:AlternateContent>
+  <p:timing>
+    <p:tnLst>
+      <p:par>
+        <p:cTn id="1" dur="indefinite" restart="never" nodeType="tmRoot"/>
+      </p:par>
+    </p:tnLst>
+  </p:timing>
 </p:sld>
 </file>
 
 <file path=ppt/slides/slide5.xml><?xml version="1.0" encoding="utf-8"?>
-<p:sld xmlns:a="http://schemas.openxmlformats.org/drawingml/2006/main" xmlns:r="http://schemas.openxmlformats.org/officeDocument/2006/relationships" xmlns:p="http://schemas.openxmlformats.org/presentationml/2006/main">
+<p:sld xmlns:a="http://schemas.openxmlformats.org/drawingml/2006/main" xmlns:r="http://schemas.openxmlformats.org/officeDocument/2006/relationships" xmlns:p="http://schemas.openxmlformats.org/presentationml/2006/main" xmlns:p14="http://schemas.microsoft.com/office/powerpoint/2010/main">
   <p:cSld>
     <p:spTree>
       <p:nvGrpSpPr>
@@ -8683,7 +8341,7 @@
       </p:sp>
       <p:pic>
         <p:nvPicPr>
-          <p:cNvPr id="3" name="내용 개체 틀 2" descr="C:/Users/Administrator/AppData/Roaming/PolarisOffice/ETemp/15968_4202728/fImage569591769169.jpeg"/>
+          <p:cNvPr id="3" name="내용 개체 틀 2"/>
           <p:cNvPicPr>
             <a:picLocks noGrp="1" noChangeAspect="1"/>
           </p:cNvPicPr>
@@ -8759,19 +8417,26 @@
   <p:clrMapOvr>
     <a:masterClrMapping/>
   </p:clrMapOvr>
-  <mc:AlternateContent xmlns:mc="http://schemas.openxmlformats.org/markup-compatibility/2006" xmlns:p14="http://schemas.microsoft.com/office/powerpoint/2010/main">
-    <mc:Choice Requires="p14">
-      <p:transition/>
+  <mc:AlternateContent xmlns:mc="http://schemas.openxmlformats.org/markup-compatibility/2006">
+    <mc:Choice xmlns:p14="http://schemas.microsoft.com/office/powerpoint/2010/main" Requires="p14">
+      <p:transition spd="slow" p14:dur="500"/>
     </mc:Choice>
-    <mc:Fallback xmlns="">
+    <mc:Fallback>
       <p:transition spd="slow"/>
     </mc:Fallback>
   </mc:AlternateContent>
+  <p:timing>
+    <p:tnLst>
+      <p:par>
+        <p:cTn id="1" dur="indefinite" restart="never" nodeType="tmRoot"/>
+      </p:par>
+    </p:tnLst>
+  </p:timing>
 </p:sld>
 </file>
 
 <file path=ppt/slides/slide6.xml><?xml version="1.0" encoding="utf-8"?>
-<p:sld xmlns:a="http://schemas.openxmlformats.org/drawingml/2006/main" xmlns:r="http://schemas.openxmlformats.org/officeDocument/2006/relationships" xmlns:p="http://schemas.openxmlformats.org/presentationml/2006/main">
+<p:sld xmlns:a="http://schemas.openxmlformats.org/drawingml/2006/main" xmlns:r="http://schemas.openxmlformats.org/officeDocument/2006/relationships" xmlns:p="http://schemas.openxmlformats.org/presentationml/2006/main" xmlns:p14="http://schemas.microsoft.com/office/powerpoint/2010/main">
   <p:cSld>
     <p:spTree>
       <p:nvGrpSpPr>
@@ -8908,19 +8573,26 @@
   <p:clrMapOvr>
     <a:masterClrMapping/>
   </p:clrMapOvr>
-  <mc:AlternateContent xmlns:mc="http://schemas.openxmlformats.org/markup-compatibility/2006" xmlns:p14="http://schemas.microsoft.com/office/powerpoint/2010/main">
-    <mc:Choice Requires="p14">
-      <p:transition/>
+  <mc:AlternateContent xmlns:mc="http://schemas.openxmlformats.org/markup-compatibility/2006">
+    <mc:Choice xmlns:p14="http://schemas.microsoft.com/office/powerpoint/2010/main" Requires="p14">
+      <p:transition spd="slow" p14:dur="500"/>
     </mc:Choice>
-    <mc:Fallback xmlns="">
+    <mc:Fallback>
       <p:transition spd="slow"/>
     </mc:Fallback>
   </mc:AlternateContent>
+  <p:timing>
+    <p:tnLst>
+      <p:par>
+        <p:cTn id="1" dur="indefinite" restart="never" nodeType="tmRoot"/>
+      </p:par>
+    </p:tnLst>
+  </p:timing>
 </p:sld>
 </file>
 
 <file path=ppt/slides/slide7.xml><?xml version="1.0" encoding="utf-8"?>
-<p:sld xmlns:a="http://schemas.openxmlformats.org/drawingml/2006/main" xmlns:r="http://schemas.openxmlformats.org/officeDocument/2006/relationships" xmlns:p="http://schemas.openxmlformats.org/presentationml/2006/main">
+<p:sld xmlns:a="http://schemas.openxmlformats.org/drawingml/2006/main" xmlns:r="http://schemas.openxmlformats.org/officeDocument/2006/relationships" xmlns:p="http://schemas.openxmlformats.org/presentationml/2006/main" xmlns:p14="http://schemas.microsoft.com/office/powerpoint/2010/main">
   <p:cSld>
     <p:spTree>
       <p:nvGrpSpPr>
@@ -8944,10 +8616,10 @@
         </p:nvGrpSpPr>
         <p:grpSpPr>
           <a:xfrm>
-            <a:off x="1849755" y="1198880"/>
-            <a:ext cx="8274050" cy="5295900"/>
-            <a:chOff x="1849755" y="1198880"/>
-            <a:chExt cx="8274050" cy="5295900"/>
+            <a:off x="1849755" y="1138555"/>
+            <a:ext cx="8050530" cy="5260975"/>
+            <a:chOff x="1849755" y="1138555"/>
+            <a:chExt cx="8050530" cy="5260975"/>
           </a:xfrm>
         </p:grpSpPr>
         <p:pic>
@@ -9023,7 +8695,7 @@
           <p:spPr>
             <a:xfrm>
               <a:off x="4890135" y="3070860"/>
-              <a:ext cx="1786255" cy="760095"/>
+              <a:ext cx="1786890" cy="760730"/>
             </a:xfrm>
             <a:prstGeom prst="can">
               <a:avLst/>
@@ -9051,12 +8723,12 @@
             </a:fontRef>
           </p:style>
           <p:txBody>
-            <a:bodyPr vert="horz" wrap="square" lIns="91440" tIns="45720" rIns="91440" bIns="45720" anchor="ctr">
+            <a:bodyPr wrap="square" lIns="91440" tIns="45720" rIns="91440" bIns="45720" numCol="1" vert="horz" anchor="ctr">
               <a:noAutofit/>
             </a:bodyPr>
             <a:lstStyle/>
             <a:p>
-              <a:pPr marL="0" indent="0" algn="ctr" defTabSz="508000" fontAlgn="auto">
+              <a:pPr marL="0" indent="0" algn="ctr" fontAlgn="auto" defTabSz="508000" eaLnBrk="0" latinLnBrk="0">
                 <a:lnSpc>
                   <a:spcPct val="100000"/>
                 </a:lnSpc>
@@ -9069,9 +8741,9 @@
                 <a:buFontTx/>
                 <a:buNone/>
               </a:pPr>
-              <a:endParaRPr lang="ko-KR" altLang="en-US" sz="1800" b="0" strike="noStrike" cap="none" dirty="0">
-                <a:latin typeface="맑은 고딕" charset="0"/>
-                <a:ea typeface="맑은 고딕" charset="0"/>
+              <a:endParaRPr lang="ko-KR" altLang="en-US" sz="1800" cap="none" dirty="0" smtClean="0" b="0" strike="noStrike">
+                <a:latin typeface="HY울릉도M" charset="0"/>
+                <a:ea typeface="HY울릉도M" charset="0"/>
               </a:endParaRPr>
             </a:p>
           </p:txBody>
@@ -9085,13 +8757,11 @@
             <p:nvPr/>
           </p:nvSpPr>
           <p:spPr>
-            <a:xfrm>
-              <a:off x="4923790" y="3519170"/>
-              <a:ext cx="1788795" cy="295275"/>
+            <a:xfrm rot="0">
+              <a:off x="4863465" y="3545205"/>
+              <a:ext cx="1789430" cy="295910"/>
             </a:xfrm>
-            <a:prstGeom prst="rect">
-              <a:avLst/>
-            </a:prstGeom>
+            <a:prstGeom prst="rect"/>
             <a:noFill/>
             <a:ln w="0">
               <a:noFill/>
@@ -9099,12 +8769,12 @@
             </a:ln>
           </p:spPr>
           <p:txBody>
-            <a:bodyPr vert="horz" wrap="none" lIns="89535" tIns="46355" rIns="89535" bIns="46355" anchor="t">
+            <a:bodyPr wrap="none" lIns="89535" tIns="46355" rIns="89535" bIns="46355" numCol="1" vert="horz" anchor="t">
               <a:noAutofit/>
             </a:bodyPr>
             <a:lstStyle/>
             <a:p>
-              <a:pPr marL="0" indent="0" algn="l" defTabSz="508000" fontAlgn="auto">
+              <a:pPr marL="0" indent="0" algn="l" fontAlgn="auto" defTabSz="508000" eaLnBrk="0" latinLnBrk="0">
                 <a:lnSpc>
                   <a:spcPct val="100000"/>
                 </a:lnSpc>
@@ -9118,22 +8788,22 @@
                 <a:buNone/>
               </a:pPr>
               <a:r>
-                <a:rPr lang="en-US" altLang="ko-KR" sz="1600" b="0" strike="noStrike" cap="none" dirty="0">
-                  <a:latin typeface="맑은 고딕" charset="0"/>
-                  <a:ea typeface="맑은 고딕" charset="0"/>
+                <a:rPr lang="en-US" altLang="ko-KR" sz="1600" cap="none" dirty="0" smtClean="0" b="0" strike="noStrike">
+                  <a:latin typeface="HY울릉도M" charset="0"/>
+                  <a:ea typeface="HY울릉도M" charset="0"/>
                 </a:rPr>
                 <a:t>메인 아두이노 보드</a:t>
               </a:r>
-              <a:endParaRPr lang="ko-KR" altLang="en-US" sz="1600" b="0" strike="noStrike" cap="none" dirty="0">
-                <a:latin typeface="맑은 고딕" charset="0"/>
-                <a:ea typeface="맑은 고딕" charset="0"/>
+              <a:endParaRPr lang="ko-KR" altLang="en-US" sz="1600" cap="none" dirty="0" smtClean="0" b="0" strike="noStrike">
+                <a:latin typeface="HY울릉도M" charset="0"/>
+                <a:ea typeface="HY울릉도M" charset="0"/>
               </a:endParaRPr>
             </a:p>
           </p:txBody>
         </p:sp>
         <p:pic>
           <p:nvPicPr>
-            <p:cNvPr id="7" name="그림 6"/>
+            <p:cNvPr id="7" name="그림 6" descr="C:/Users/Administrator/AppData/Roaming/PolarisOffice/ETemp/6472_3077952/image9.png"/>
             <p:cNvPicPr>
               <a:picLocks noChangeAspect="1"/>
             </p:cNvPicPr>
@@ -9147,24 +8817,23 @@
                 </a:ext>
               </a:extLst>
             </a:blip>
+            <a:srcRect/>
             <a:stretch>
               <a:fillRect/>
             </a:stretch>
           </p:blipFill>
           <p:spPr>
-            <a:xfrm>
-              <a:off x="2942590" y="4430395"/>
-              <a:ext cx="1052195" cy="1242695"/>
+            <a:xfrm rot="0">
+              <a:off x="2736850" y="4001770"/>
+              <a:ext cx="1052830" cy="1243330"/>
             </a:xfrm>
-            <a:prstGeom prst="rect">
-              <a:avLst/>
-            </a:prstGeom>
+            <a:prstGeom prst="rect"/>
             <a:noFill/>
           </p:spPr>
         </p:pic>
         <p:pic>
           <p:nvPicPr>
-            <p:cNvPr id="8" name="그림 7"/>
+            <p:cNvPr id="8" name="그림 7" descr="C:/Users/Administrator/AppData/Roaming/PolarisOffice/ETemp/6472_3077952/image10.jpeg"/>
             <p:cNvPicPr>
               <a:picLocks noChangeAspect="1"/>
             </p:cNvPicPr>
@@ -9178,24 +8847,23 @@
                 </a:ext>
               </a:extLst>
             </a:blip>
+            <a:srcRect/>
             <a:stretch>
               <a:fillRect/>
             </a:stretch>
           </p:blipFill>
           <p:spPr>
-            <a:xfrm>
-              <a:off x="4570730" y="4940935"/>
-              <a:ext cx="1316355" cy="1249045"/>
+            <a:xfrm rot="0">
+              <a:off x="4287520" y="4606290"/>
+              <a:ext cx="1316990" cy="1249680"/>
             </a:xfrm>
-            <a:prstGeom prst="rect">
-              <a:avLst/>
-            </a:prstGeom>
+            <a:prstGeom prst="rect"/>
             <a:noFill/>
           </p:spPr>
         </p:pic>
         <p:pic>
           <p:nvPicPr>
-            <p:cNvPr id="9" name="그림 8"/>
+            <p:cNvPr id="9" name="그림 8" descr="C:/Users/Administrator/AppData/Roaming/PolarisOffice/ETemp/6472_3077952/image11.png"/>
             <p:cNvPicPr>
               <a:picLocks noChangeAspect="1"/>
             </p:cNvPicPr>
@@ -9209,24 +8877,23 @@
                 </a:ext>
               </a:extLst>
             </a:blip>
+            <a:srcRect/>
             <a:stretch>
               <a:fillRect/>
             </a:stretch>
           </p:blipFill>
           <p:spPr>
-            <a:xfrm>
-              <a:off x="5356225" y="4500880"/>
-              <a:ext cx="857885" cy="748665"/>
+            <a:xfrm rot="0">
+              <a:off x="5767070" y="4766310"/>
+              <a:ext cx="1219835" cy="1063625"/>
             </a:xfrm>
-            <a:prstGeom prst="rect">
-              <a:avLst/>
-            </a:prstGeom>
+            <a:prstGeom prst="rect"/>
             <a:noFill/>
           </p:spPr>
         </p:pic>
         <p:pic>
           <p:nvPicPr>
-            <p:cNvPr id="10" name="그림 9"/>
+            <p:cNvPr id="10" name="그림 9" descr="C:/Users/Administrator/AppData/Roaming/PolarisOffice/ETemp/6472_3077952/image12.jpeg"/>
             <p:cNvPicPr>
               <a:picLocks noChangeAspect="1"/>
             </p:cNvPicPr>
@@ -9240,24 +8907,23 @@
                 </a:ext>
               </a:extLst>
             </a:blip>
+            <a:srcRect/>
             <a:stretch>
               <a:fillRect/>
             </a:stretch>
           </p:blipFill>
           <p:spPr>
-            <a:xfrm flipH="1">
-              <a:off x="8155940" y="4333875"/>
-              <a:ext cx="1546225" cy="821055"/>
+            <a:xfrm rot="0" flipH="1">
+              <a:off x="8041005" y="3926205"/>
+              <a:ext cx="1816735" cy="972185"/>
             </a:xfrm>
-            <a:prstGeom prst="rect">
-              <a:avLst/>
-            </a:prstGeom>
+            <a:prstGeom prst="rect"/>
             <a:noFill/>
           </p:spPr>
         </p:pic>
         <p:pic>
           <p:nvPicPr>
-            <p:cNvPr id="14" name="그림 13"/>
+            <p:cNvPr id="14" name="그림 13" descr="C:/Users/Administrator/AppData/Roaming/PolarisOffice/ETemp/6472_3077952/image13.png"/>
             <p:cNvPicPr>
               <a:picLocks noChangeAspect="1"/>
             </p:cNvPicPr>
@@ -9271,18 +8937,17 @@
                 </a:ext>
               </a:extLst>
             </a:blip>
+            <a:srcRect/>
             <a:stretch>
               <a:fillRect/>
             </a:stretch>
           </p:blipFill>
           <p:spPr>
-            <a:xfrm>
-              <a:off x="7009130" y="4214495"/>
-              <a:ext cx="1157605" cy="1049655"/>
+            <a:xfrm rot="0">
+              <a:off x="6957695" y="4411980"/>
+              <a:ext cx="1158240" cy="1050290"/>
             </a:xfrm>
-            <a:prstGeom prst="rect">
-              <a:avLst/>
-            </a:prstGeom>
+            <a:prstGeom prst="rect"/>
             <a:noFill/>
           </p:spPr>
         </p:pic>
@@ -9295,13 +8960,11 @@
             <p:nvPr/>
           </p:nvSpPr>
           <p:spPr>
-            <a:xfrm>
-              <a:off x="5240020" y="1198880"/>
-              <a:ext cx="1078865" cy="321945"/>
+            <a:xfrm rot="0">
+              <a:off x="5120005" y="1138555"/>
+              <a:ext cx="1079500" cy="322580"/>
             </a:xfrm>
-            <a:prstGeom prst="rect">
-              <a:avLst/>
-            </a:prstGeom>
+            <a:prstGeom prst="rect"/>
             <a:noFill/>
             <a:ln w="0">
               <a:noFill/>
@@ -9309,12 +8972,12 @@
             </a:ln>
           </p:spPr>
           <p:txBody>
-            <a:bodyPr vert="horz" wrap="none" lIns="89535" tIns="46355" rIns="89535" bIns="46355" anchor="t">
+            <a:bodyPr wrap="none" lIns="89535" tIns="46355" rIns="89535" bIns="46355" numCol="1" vert="horz" anchor="t">
               <a:noAutofit/>
             </a:bodyPr>
             <a:lstStyle/>
             <a:p>
-              <a:pPr marL="0" indent="0" algn="l" defTabSz="508000" fontAlgn="auto">
+              <a:pPr marL="0" indent="0" algn="l" fontAlgn="auto" defTabSz="508000" eaLnBrk="0" latinLnBrk="0">
                 <a:lnSpc>
                   <a:spcPct val="100000"/>
                 </a:lnSpc>
@@ -9328,15 +8991,15 @@
                 <a:buNone/>
               </a:pPr>
               <a:r>
-                <a:rPr lang="en-US" altLang="ko-KR" sz="1800" b="0" strike="noStrike" cap="none" dirty="0">
-                  <a:latin typeface="맑은 고딕" charset="0"/>
-                  <a:ea typeface="맑은 고딕" charset="0"/>
+                <a:rPr lang="en-US" altLang="ko-KR" sz="1800" cap="none" dirty="0" smtClean="0" b="0" strike="noStrike">
+                  <a:latin typeface="HY울릉도M" charset="0"/>
+                  <a:ea typeface="HY울릉도M" charset="0"/>
                 </a:rPr>
                 <a:t>중앙 서버</a:t>
               </a:r>
-              <a:endParaRPr lang="ko-KR" altLang="en-US" sz="1800" b="0" strike="noStrike" cap="none" dirty="0">
-                <a:latin typeface="맑은 고딕" charset="0"/>
-                <a:ea typeface="맑은 고딕" charset="0"/>
+              <a:endParaRPr lang="ko-KR" altLang="en-US" sz="1800" cap="none" dirty="0" smtClean="0" b="0" strike="noStrike">
+                <a:latin typeface="HY울릉도M" charset="0"/>
+                <a:ea typeface="HY울릉도M" charset="0"/>
               </a:endParaRPr>
             </a:p>
           </p:txBody>
@@ -9350,13 +9013,11 @@
             <p:nvPr/>
           </p:nvSpPr>
           <p:spPr>
-            <a:xfrm>
+            <a:xfrm rot="0">
               <a:off x="6768465" y="1377315"/>
-              <a:ext cx="1749425" cy="1268095"/>
+              <a:ext cx="1750060" cy="1268730"/>
             </a:xfrm>
-            <a:prstGeom prst="rect">
-              <a:avLst/>
-            </a:prstGeom>
+            <a:prstGeom prst="rect"/>
             <a:solidFill>
               <a:srgbClr val="FFFFFF"/>
             </a:solidFill>
@@ -9387,12 +9048,12 @@
             </a:fontRef>
           </p:style>
           <p:txBody>
-            <a:bodyPr vert="horz" wrap="square" lIns="91440" tIns="45720" rIns="91440" bIns="45720" anchor="ctr">
+            <a:bodyPr wrap="square" lIns="91440" tIns="45720" rIns="91440" bIns="45720" numCol="1" vert="horz" anchor="ctr">
               <a:noAutofit/>
             </a:bodyPr>
             <a:lstStyle/>
             <a:p>
-              <a:pPr marL="0" indent="0" algn="ctr" defTabSz="508000" fontAlgn="auto">
+              <a:pPr marL="0" indent="0" algn="ctr" fontAlgn="auto" defTabSz="508000" eaLnBrk="0" latinLnBrk="0">
                 <a:lnSpc>
                   <a:spcPct val="100000"/>
                 </a:lnSpc>
@@ -9405,9 +9066,9 @@
                 <a:buFontTx/>
                 <a:buNone/>
               </a:pPr>
-              <a:endParaRPr lang="ko-KR" altLang="en-US" sz="1800" b="0" strike="noStrike" cap="none" dirty="0">
-                <a:latin typeface="맑은 고딕" charset="0"/>
-                <a:ea typeface="맑은 고딕" charset="0"/>
+              <a:endParaRPr lang="ko-KR" altLang="en-US" sz="1800" cap="none" dirty="0" smtClean="0" b="0" strike="noStrike">
+                <a:latin typeface="HY울릉도M" charset="0"/>
+                <a:ea typeface="HY울릉도M" charset="0"/>
               </a:endParaRPr>
             </a:p>
           </p:txBody>
@@ -9423,7 +9084,7 @@
           <p:spPr>
             <a:xfrm>
               <a:off x="6809740" y="1709420"/>
-              <a:ext cx="1510665" cy="268605"/>
+              <a:ext cx="1511300" cy="269240"/>
             </a:xfrm>
             <a:prstGeom prst="rect">
               <a:avLst/>
@@ -9435,12 +9096,12 @@
             </a:ln>
           </p:spPr>
           <p:txBody>
-            <a:bodyPr vert="horz" wrap="square" lIns="89535" tIns="46355" rIns="89535" bIns="46355" anchor="t">
+            <a:bodyPr wrap="square" lIns="89535" tIns="46355" rIns="89535" bIns="46355" numCol="1" vert="horz" anchor="t">
               <a:noAutofit/>
             </a:bodyPr>
             <a:lstStyle/>
             <a:p>
-              <a:pPr marL="0" indent="0" algn="l" defTabSz="508000" fontAlgn="auto">
+              <a:pPr marL="0" indent="0" algn="l" fontAlgn="auto" defTabSz="508000" eaLnBrk="0" latinLnBrk="0">
                 <a:lnSpc>
                   <a:spcPct val="100000"/>
                 </a:lnSpc>
@@ -9454,15 +9115,15 @@
                 <a:buNone/>
               </a:pPr>
               <a:r>
-                <a:rPr lang="en-US" altLang="ko-KR" sz="1400" b="0" strike="noStrike" cap="none" dirty="0">
-                  <a:latin typeface="맑은 고딕" charset="0"/>
-                  <a:ea typeface="맑은 고딕" charset="0"/>
+                <a:rPr lang="en-US" altLang="ko-KR" sz="1400" cap="none" dirty="0" smtClean="0" b="0" strike="noStrike">
+                  <a:latin typeface="HY울릉도M" charset="0"/>
+                  <a:ea typeface="HY울릉도M" charset="0"/>
                 </a:rPr>
                 <a:t>화장실 사용 1/5</a:t>
               </a:r>
-              <a:endParaRPr lang="ko-KR" altLang="en-US" sz="1400" b="0" strike="noStrike" cap="none" dirty="0">
-                <a:latin typeface="맑은 고딕" charset="0"/>
-                <a:ea typeface="맑은 고딕" charset="0"/>
+              <a:endParaRPr lang="ko-KR" altLang="en-US" sz="1400" cap="none" dirty="0" smtClean="0" b="0" strike="noStrike">
+                <a:latin typeface="HY울릉도M" charset="0"/>
+                <a:ea typeface="HY울릉도M" charset="0"/>
               </a:endParaRPr>
             </a:p>
           </p:txBody>
@@ -9478,7 +9139,7 @@
           <p:spPr>
             <a:xfrm>
               <a:off x="7005320" y="1361440"/>
-              <a:ext cx="1288415" cy="321945"/>
+              <a:ext cx="1289050" cy="322580"/>
             </a:xfrm>
             <a:prstGeom prst="rect">
               <a:avLst/>
@@ -9490,12 +9151,12 @@
             </a:ln>
           </p:spPr>
           <p:txBody>
-            <a:bodyPr vert="horz" wrap="none" lIns="89535" tIns="46355" rIns="89535" bIns="46355" anchor="t">
+            <a:bodyPr wrap="none" lIns="89535" tIns="46355" rIns="89535" bIns="46355" numCol="1" vert="horz" anchor="t">
               <a:noAutofit/>
             </a:bodyPr>
             <a:lstStyle/>
             <a:p>
-              <a:pPr marL="0" indent="0" algn="ctr" defTabSz="508000" fontAlgn="auto">
+              <a:pPr marL="0" indent="0" algn="ctr" fontAlgn="auto" defTabSz="508000" eaLnBrk="0" latinLnBrk="0">
                 <a:lnSpc>
                   <a:spcPct val="100000"/>
                 </a:lnSpc>
@@ -9509,15 +9170,15 @@
                 <a:buNone/>
               </a:pPr>
               <a:r>
-                <a:rPr lang="en-US" altLang="ko-KR" sz="1800" b="0" strike="noStrike" cap="none" dirty="0">
-                  <a:latin typeface="맑은 고딕" charset="0"/>
-                  <a:ea typeface="맑은 고딕" charset="0"/>
+                <a:rPr lang="en-US" altLang="ko-KR" sz="1800" cap="none" dirty="0" smtClean="0" b="0" strike="noStrike">
+                  <a:latin typeface="HY울릉도M" charset="0"/>
+                  <a:ea typeface="HY울릉도M" charset="0"/>
                 </a:rPr>
                 <a:t>관제 모니터</a:t>
               </a:r>
-              <a:endParaRPr lang="ko-KR" altLang="en-US" sz="1800" b="0" strike="noStrike" cap="none" dirty="0">
-                <a:latin typeface="맑은 고딕" charset="0"/>
-                <a:ea typeface="맑은 고딕" charset="0"/>
+              <a:endParaRPr lang="ko-KR" altLang="en-US" sz="1800" cap="none" dirty="0" smtClean="0" b="0" strike="noStrike">
+                <a:latin typeface="HY울릉도M" charset="0"/>
+                <a:ea typeface="HY울릉도M" charset="0"/>
               </a:endParaRPr>
             </a:p>
           </p:txBody>
@@ -9534,7 +9195,7 @@
           <p:spPr>
             <a:xfrm>
               <a:off x="6118225" y="2000885"/>
-              <a:ext cx="650875" cy="10795"/>
+              <a:ext cx="651510" cy="11430"/>
             </a:xfrm>
             <a:prstGeom prst="straightConnector1">
               <a:avLst/>
@@ -9575,7 +9236,7 @@
           <p:spPr>
             <a:xfrm>
               <a:off x="6760845" y="1686560"/>
-              <a:ext cx="1757045" cy="635"/>
+              <a:ext cx="1757680" cy="1270"/>
             </a:xfrm>
             <a:prstGeom prst="line">
               <a:avLst/>
@@ -9618,7 +9279,7 @@
           <p:spPr>
             <a:xfrm>
               <a:off x="6810375" y="1972945"/>
-              <a:ext cx="1478915" cy="268605"/>
+              <a:ext cx="1479550" cy="269240"/>
             </a:xfrm>
             <a:prstGeom prst="rect">
               <a:avLst/>
@@ -9634,12 +9295,12 @@
             </a:ln>
           </p:spPr>
           <p:txBody>
-            <a:bodyPr vert="horz" wrap="square" lIns="89535" tIns="46355" rIns="89535" bIns="46355" anchor="t">
+            <a:bodyPr wrap="square" lIns="89535" tIns="46355" rIns="89535" bIns="46355" numCol="1" vert="horz" anchor="t">
               <a:noAutofit/>
             </a:bodyPr>
             <a:lstStyle/>
             <a:p>
-              <a:pPr marL="0" indent="0" algn="l" defTabSz="508000" fontAlgn="auto">
+              <a:pPr marL="0" indent="0" algn="l" fontAlgn="auto" defTabSz="508000" eaLnBrk="0" latinLnBrk="0">
                 <a:lnSpc>
                   <a:spcPct val="100000"/>
                 </a:lnSpc>
@@ -9653,15 +9314,15 @@
                 <a:buNone/>
               </a:pPr>
               <a:r>
-                <a:rPr lang="en-US" altLang="ko-KR" sz="1400" b="0" strike="noStrike" cap="none" dirty="0">
-                  <a:latin typeface="맑은 고딕" charset="0"/>
-                  <a:ea typeface="맑은 고딕" charset="0"/>
+                <a:rPr lang="en-US" altLang="ko-KR" sz="1400" cap="none" dirty="0" smtClean="0" b="0" strike="noStrike">
+                  <a:latin typeface="HY울릉도M" charset="0"/>
+                  <a:ea typeface="HY울릉도M" charset="0"/>
                 </a:rPr>
                 <a:t>생활관 에어컨</a:t>
               </a:r>
-              <a:endParaRPr lang="ko-KR" altLang="en-US" sz="1400" b="0" strike="noStrike" cap="none" dirty="0">
-                <a:latin typeface="맑은 고딕" charset="0"/>
-                <a:ea typeface="맑은 고딕" charset="0"/>
+              <a:endParaRPr lang="ko-KR" altLang="en-US" sz="1400" cap="none" dirty="0" smtClean="0" b="0" strike="noStrike">
+                <a:latin typeface="HY울릉도M" charset="0"/>
+                <a:ea typeface="HY울릉도M" charset="0"/>
               </a:endParaRPr>
             </a:p>
           </p:txBody>
@@ -9677,7 +9338,7 @@
           <p:spPr>
             <a:xfrm>
               <a:off x="6810375" y="2251075"/>
-              <a:ext cx="1478915" cy="268605"/>
+              <a:ext cx="1479550" cy="269240"/>
             </a:xfrm>
             <a:prstGeom prst="rect">
               <a:avLst/>
@@ -9693,12 +9354,12 @@
             </a:ln>
           </p:spPr>
           <p:txBody>
-            <a:bodyPr vert="horz" wrap="square" lIns="89535" tIns="46355" rIns="89535" bIns="46355" anchor="t">
+            <a:bodyPr wrap="square" lIns="89535" tIns="46355" rIns="89535" bIns="46355" numCol="1" vert="horz" anchor="t">
               <a:noAutofit/>
             </a:bodyPr>
             <a:lstStyle/>
             <a:p>
-              <a:pPr marL="0" indent="0" algn="l" defTabSz="508000" fontAlgn="auto">
+              <a:pPr marL="0" indent="0" algn="l" fontAlgn="auto" defTabSz="508000" eaLnBrk="0" latinLnBrk="0">
                 <a:lnSpc>
                   <a:spcPct val="100000"/>
                 </a:lnSpc>
@@ -9712,15 +9373,15 @@
                 <a:buNone/>
               </a:pPr>
               <a:r>
-                <a:rPr lang="en-US" altLang="ko-KR" sz="1400" b="0" strike="noStrike" cap="none" dirty="0">
-                  <a:latin typeface="맑은 고딕" charset="0"/>
-                  <a:ea typeface="맑은 고딕" charset="0"/>
+                <a:rPr lang="en-US" altLang="ko-KR" sz="1400" cap="none" dirty="0" smtClean="0" b="0" strike="noStrike">
+                  <a:latin typeface="HY울릉도M" charset="0"/>
+                  <a:ea typeface="HY울릉도M" charset="0"/>
                 </a:rPr>
                 <a:t>위험 상황 없음</a:t>
               </a:r>
-              <a:endParaRPr lang="ko-KR" altLang="en-US" sz="1400" b="0" strike="noStrike" cap="none" dirty="0">
-                <a:latin typeface="맑은 고딕" charset="0"/>
-                <a:ea typeface="맑은 고딕" charset="0"/>
+              <a:endParaRPr lang="ko-KR" altLang="en-US" sz="1400" cap="none" dirty="0" smtClean="0" b="0" strike="noStrike">
+                <a:latin typeface="HY울릉도M" charset="0"/>
+                <a:ea typeface="HY울릉도M" charset="0"/>
               </a:endParaRPr>
             </a:p>
           </p:txBody>
@@ -9734,13 +9395,11 @@
             <p:nvPr/>
           </p:nvSpPr>
           <p:spPr>
-            <a:xfrm>
-              <a:off x="2387600" y="4130040"/>
-              <a:ext cx="1602105" cy="295275"/>
+            <a:xfrm rot="0">
+              <a:off x="2207260" y="5364480"/>
+              <a:ext cx="1602740" cy="295910"/>
             </a:xfrm>
-            <a:prstGeom prst="rect">
-              <a:avLst/>
-            </a:prstGeom>
+            <a:prstGeom prst="rect"/>
             <a:noFill/>
             <a:ln w="0" cap="flat" cmpd="sng">
               <a:solidFill>
@@ -9748,16 +9407,16 @@
                   <a:alpha val="100000"/>
                 </a:srgbClr>
               </a:solidFill>
-              <a:prstDash/>
+              <a:prstDash val="solid"/>
             </a:ln>
           </p:spPr>
           <p:txBody>
-            <a:bodyPr vert="horz" wrap="none" lIns="89535" tIns="46355" rIns="89535" bIns="46355" anchor="t">
+            <a:bodyPr wrap="none" lIns="89535" tIns="46355" rIns="89535" bIns="46355" numCol="1" vert="horz" anchor="t">
               <a:noAutofit/>
             </a:bodyPr>
             <a:lstStyle/>
             <a:p>
-              <a:pPr marL="0" indent="0" algn="l" defTabSz="508000" fontAlgn="auto">
+              <a:pPr marL="0" indent="0" algn="l" fontAlgn="auto" defTabSz="508000" eaLnBrk="0" latinLnBrk="0">
                 <a:lnSpc>
                   <a:spcPct val="100000"/>
                 </a:lnSpc>
@@ -9771,15 +9430,15 @@
                 <a:buNone/>
               </a:pPr>
               <a:r>
-                <a:rPr lang="en-US" altLang="ko-KR" sz="1600" b="0" strike="noStrike" cap="none" dirty="0">
-                  <a:latin typeface="맑은 고딕" charset="0"/>
-                  <a:ea typeface="맑은 고딕" charset="0"/>
+                <a:rPr lang="en-US" altLang="ko-KR" sz="1600" cap="none" dirty="0" smtClean="0" b="0" strike="noStrike">
+                  <a:latin typeface="HY울릉도M" charset="0"/>
+                  <a:ea typeface="HY울릉도M" charset="0"/>
                 </a:rPr>
                 <a:t>화장실 앞 전광판</a:t>
               </a:r>
-              <a:endParaRPr lang="ko-KR" altLang="en-US" sz="1600" b="0" strike="noStrike" cap="none" dirty="0">
-                <a:latin typeface="맑은 고딕" charset="0"/>
-                <a:ea typeface="맑은 고딕" charset="0"/>
+              <a:endParaRPr lang="ko-KR" altLang="en-US" sz="1600" cap="none" dirty="0" smtClean="0" b="0" strike="noStrike">
+                <a:latin typeface="HY울릉도M" charset="0"/>
+                <a:ea typeface="HY울릉도M" charset="0"/>
               </a:endParaRPr>
             </a:p>
           </p:txBody>
@@ -9793,13 +9452,11 @@
             <p:nvPr/>
           </p:nvSpPr>
           <p:spPr>
-            <a:xfrm>
-              <a:off x="3362960" y="5379720"/>
-              <a:ext cx="409575" cy="268605"/>
+            <a:xfrm rot="0">
+              <a:off x="2531110" y="4942205"/>
+              <a:ext cx="410210" cy="269240"/>
             </a:xfrm>
-            <a:prstGeom prst="rect">
-              <a:avLst/>
-            </a:prstGeom>
+            <a:prstGeom prst="rect"/>
             <a:noFill/>
             <a:ln w="0" cap="flat" cmpd="sng">
               <a:solidFill>
@@ -9807,16 +9464,16 @@
                   <a:alpha val="100000"/>
                 </a:srgbClr>
               </a:solidFill>
-              <a:prstDash/>
+              <a:prstDash val="solid"/>
             </a:ln>
           </p:spPr>
           <p:txBody>
-            <a:bodyPr vert="horz" wrap="none" lIns="89535" tIns="46355" rIns="89535" bIns="46355" anchor="t">
+            <a:bodyPr wrap="none" lIns="89535" tIns="46355" rIns="89535" bIns="46355" numCol="1" vert="horz" anchor="t">
               <a:noAutofit/>
             </a:bodyPr>
             <a:lstStyle/>
             <a:p>
-              <a:pPr marL="0" indent="0" algn="l" defTabSz="508000" fontAlgn="auto">
+              <a:pPr marL="0" indent="0" algn="l" fontAlgn="auto" defTabSz="508000" eaLnBrk="0" latinLnBrk="0">
                 <a:lnSpc>
                   <a:spcPct val="100000"/>
                 </a:lnSpc>
@@ -9830,15 +9487,15 @@
                 <a:buNone/>
               </a:pPr>
               <a:r>
-                <a:rPr lang="en-US" altLang="ko-KR" sz="1400" b="0" strike="noStrike" cap="none" dirty="0">
-                  <a:latin typeface="맑은 고딕" charset="0"/>
-                  <a:ea typeface="맑은 고딕" charset="0"/>
+                <a:rPr lang="en-US" altLang="ko-KR" sz="1400" cap="none" dirty="0" smtClean="0" b="0" strike="noStrike">
+                  <a:latin typeface="HY울릉도M" charset="0"/>
+                  <a:ea typeface="HY울릉도M" charset="0"/>
                 </a:rPr>
                 <a:t>1/5</a:t>
               </a:r>
-              <a:endParaRPr lang="ko-KR" altLang="en-US" sz="1400" b="0" strike="noStrike" cap="none" dirty="0">
-                <a:latin typeface="맑은 고딕" charset="0"/>
-                <a:ea typeface="맑은 고딕" charset="0"/>
+              <a:endParaRPr lang="ko-KR" altLang="en-US" sz="1400" cap="none" dirty="0" smtClean="0" b="0" strike="noStrike">
+                <a:latin typeface="HY울릉도M" charset="0"/>
+                <a:ea typeface="HY울릉도M" charset="0"/>
               </a:endParaRPr>
             </a:p>
           </p:txBody>
@@ -9852,13 +9509,11 @@
             <p:nvPr/>
           </p:nvSpPr>
           <p:spPr>
-            <a:xfrm>
-              <a:off x="7755255" y="4044315"/>
-              <a:ext cx="2367915" cy="295275"/>
+            <a:xfrm rot="0">
+              <a:off x="7532370" y="5716270"/>
+              <a:ext cx="2368550" cy="295910"/>
             </a:xfrm>
-            <a:prstGeom prst="rect">
-              <a:avLst/>
-            </a:prstGeom>
+            <a:prstGeom prst="rect"/>
             <a:noFill/>
             <a:ln w="0" cap="flat" cmpd="sng">
               <a:solidFill>
@@ -9866,16 +9521,16 @@
                   <a:alpha val="100000"/>
                 </a:srgbClr>
               </a:solidFill>
-              <a:prstDash/>
+              <a:prstDash val="solid"/>
             </a:ln>
           </p:spPr>
           <p:txBody>
-            <a:bodyPr vert="horz" wrap="square" lIns="89535" tIns="46355" rIns="89535" bIns="46355" anchor="t">
+            <a:bodyPr wrap="square" lIns="89535" tIns="46355" rIns="89535" bIns="46355" numCol="1" vert="horz" anchor="t">
               <a:noAutofit/>
             </a:bodyPr>
             <a:lstStyle/>
             <a:p>
-              <a:pPr marL="0" indent="0" algn="l" defTabSz="508000" fontAlgn="auto">
+              <a:pPr marL="0" indent="0" algn="l" fontAlgn="auto" defTabSz="508000" eaLnBrk="0" latinLnBrk="0">
                 <a:lnSpc>
                   <a:spcPct val="100000"/>
                 </a:lnSpc>
@@ -9889,15 +9544,15 @@
                 <a:buNone/>
               </a:pPr>
               <a:r>
-                <a:rPr lang="en-US" altLang="ko-KR" sz="1600" b="0" strike="noStrike" cap="none" dirty="0">
-                  <a:latin typeface="맑은 고딕" charset="0"/>
-                  <a:ea typeface="맑은 고딕" charset="0"/>
+                <a:rPr lang="en-US" altLang="ko-KR" sz="1600" cap="none" dirty="0" smtClean="0" b="0" strike="noStrike">
+                  <a:latin typeface="HY울릉도M" charset="0"/>
+                  <a:ea typeface="HY울릉도M" charset="0"/>
                 </a:rPr>
                 <a:t>생활관 내부 환경 센서</a:t>
               </a:r>
-              <a:endParaRPr lang="ko-KR" altLang="en-US" sz="1600" b="0" strike="noStrike" cap="none" dirty="0">
-                <a:latin typeface="맑은 고딕" charset="0"/>
-                <a:ea typeface="맑은 고딕" charset="0"/>
+              <a:endParaRPr lang="ko-KR" altLang="en-US" sz="1600" cap="none" dirty="0" smtClean="0" b="0" strike="noStrike">
+                <a:latin typeface="HY울릉도M" charset="0"/>
+                <a:ea typeface="HY울릉도M" charset="0"/>
               </a:endParaRPr>
             </a:p>
           </p:txBody>
@@ -9911,13 +9566,11 @@
             <p:nvPr/>
           </p:nvSpPr>
           <p:spPr>
-            <a:xfrm>
-              <a:off x="4686300" y="6198870"/>
-              <a:ext cx="1329055" cy="295275"/>
+            <a:xfrm rot="0">
+              <a:off x="4652010" y="6104255"/>
+              <a:ext cx="1329690" cy="295910"/>
             </a:xfrm>
-            <a:prstGeom prst="rect">
-              <a:avLst/>
-            </a:prstGeom>
+            <a:prstGeom prst="rect"/>
             <a:noFill/>
             <a:ln w="0" cap="flat" cmpd="sng">
               <a:solidFill>
@@ -9925,16 +9578,16 @@
                   <a:alpha val="100000"/>
                 </a:srgbClr>
               </a:solidFill>
-              <a:prstDash/>
+              <a:prstDash val="solid"/>
             </a:ln>
           </p:spPr>
           <p:txBody>
-            <a:bodyPr vert="horz" wrap="square" lIns="89535" tIns="46355" rIns="89535" bIns="46355" anchor="t">
+            <a:bodyPr wrap="square" lIns="89535" tIns="46355" rIns="89535" bIns="46355" numCol="1" vert="horz" anchor="t">
               <a:noAutofit/>
             </a:bodyPr>
             <a:lstStyle/>
             <a:p>
-              <a:pPr marL="0" indent="0" algn="l" defTabSz="508000" fontAlgn="auto">
+              <a:pPr marL="0" indent="0" algn="l" fontAlgn="auto" defTabSz="508000" eaLnBrk="0" latinLnBrk="0">
                 <a:lnSpc>
                   <a:spcPct val="100000"/>
                 </a:lnSpc>
@@ -9948,15 +9601,15 @@
                 <a:buNone/>
               </a:pPr>
               <a:r>
-                <a:rPr lang="en-US" altLang="ko-KR" sz="1600" b="0" strike="noStrike" cap="none" dirty="0">
-                  <a:latin typeface="맑은 고딕" charset="0"/>
-                  <a:ea typeface="맑은 고딕" charset="0"/>
+                <a:rPr lang="en-US" altLang="ko-KR" sz="1600" cap="none" dirty="0" smtClean="0" b="0" strike="noStrike">
+                  <a:latin typeface="HY울릉도M" charset="0"/>
+                  <a:ea typeface="HY울릉도M" charset="0"/>
                 </a:rPr>
                 <a:t>화장실 센서</a:t>
               </a:r>
-              <a:endParaRPr lang="ko-KR" altLang="en-US" sz="1600" b="0" strike="noStrike" cap="none" dirty="0">
-                <a:latin typeface="맑은 고딕" charset="0"/>
-                <a:ea typeface="맑은 고딕" charset="0"/>
+              <a:endParaRPr lang="ko-KR" altLang="en-US" sz="1600" cap="none" dirty="0" smtClean="0" b="0" strike="noStrike">
+                <a:latin typeface="HY울릉도M" charset="0"/>
+                <a:ea typeface="HY울릉도M" charset="0"/>
               </a:endParaRPr>
             </a:p>
           </p:txBody>
@@ -9972,7 +9625,7 @@
           <p:spPr>
             <a:xfrm>
               <a:off x="6810375" y="3288030"/>
-              <a:ext cx="2018665" cy="321945"/>
+              <a:ext cx="2019300" cy="322580"/>
             </a:xfrm>
             <a:prstGeom prst="rect">
               <a:avLst/>
@@ -9984,12 +9637,12 @@
             </a:ln>
           </p:spPr>
           <p:txBody>
-            <a:bodyPr vert="horz" wrap="none" lIns="89535" tIns="46355" rIns="89535" bIns="46355" anchor="t">
+            <a:bodyPr wrap="none" lIns="89535" tIns="46355" rIns="89535" bIns="46355" numCol="1" vert="horz" anchor="t">
               <a:noAutofit/>
             </a:bodyPr>
             <a:lstStyle/>
             <a:p>
-              <a:pPr marL="0" indent="0" algn="l" defTabSz="508000" fontAlgn="auto">
+              <a:pPr marL="0" indent="0" algn="l" fontAlgn="auto" defTabSz="508000" eaLnBrk="0" latinLnBrk="0">
                 <a:lnSpc>
                   <a:spcPct val="100000"/>
                 </a:lnSpc>
@@ -10003,21 +9656,21 @@
                 <a:buNone/>
               </a:pPr>
               <a:r>
-                <a:rPr lang="en-US" altLang="ko-KR" sz="1800" b="0" strike="noStrike" cap="none" dirty="0">
+                <a:rPr lang="en-US" altLang="ko-KR" sz="1800" cap="none" dirty="0" smtClean="0" b="0" strike="noStrike">
                   <a:solidFill>
                     <a:srgbClr val="FF0000"/>
                   </a:solidFill>
-                  <a:latin typeface="맑은 고딕" charset="0"/>
-                  <a:ea typeface="맑은 고딕" charset="0"/>
+                  <a:latin typeface="HY울릉도M" charset="0"/>
+                  <a:ea typeface="HY울릉도M" charset="0"/>
                 </a:rPr>
                 <a:t>1대n 네트워크 방식</a:t>
               </a:r>
-              <a:endParaRPr lang="ko-KR" altLang="en-US" sz="1800" b="0" strike="noStrike" cap="none" dirty="0">
+              <a:endParaRPr lang="ko-KR" altLang="en-US" sz="1800" cap="none" dirty="0" smtClean="0" b="0" strike="noStrike">
                 <a:solidFill>
                   <a:srgbClr val="FF0000"/>
                 </a:solidFill>
-                <a:latin typeface="맑은 고딕" charset="0"/>
-                <a:ea typeface="맑은 고딕" charset="0"/>
+                <a:latin typeface="HY울릉도M" charset="0"/>
+                <a:ea typeface="HY울릉도M" charset="0"/>
               </a:endParaRPr>
             </a:p>
           </p:txBody>
@@ -10032,8 +9685,8 @@
           </p:nvCxnSpPr>
           <p:spPr>
             <a:xfrm flipV="1">
-              <a:off x="4041140" y="3666490"/>
-              <a:ext cx="883285" cy="550545"/>
+              <a:off x="4041140" y="3666489"/>
+              <a:ext cx="883920" cy="551180"/>
             </a:xfrm>
             <a:prstGeom prst="straightConnector1">
               <a:avLst/>
@@ -10077,7 +9730,7 @@
           <p:spPr>
             <a:xfrm flipV="1">
               <a:off x="5783580" y="3813810"/>
-              <a:ext cx="34925" cy="687705"/>
+              <a:ext cx="35560" cy="688340"/>
             </a:xfrm>
             <a:prstGeom prst="straightConnector1">
               <a:avLst/>
@@ -10121,7 +9774,7 @@
           <p:spPr>
             <a:xfrm flipH="1" flipV="1">
               <a:off x="6712585" y="3667125"/>
-              <a:ext cx="875665" cy="548005"/>
+              <a:ext cx="876300" cy="548640"/>
             </a:xfrm>
             <a:prstGeom prst="straightConnector1">
               <a:avLst/>
@@ -10164,7 +9817,7 @@
           <p:spPr>
             <a:xfrm>
               <a:off x="1849755" y="2867025"/>
-              <a:ext cx="2603500" cy="562610"/>
+              <a:ext cx="2604135" cy="563245"/>
             </a:xfrm>
             <a:prstGeom prst="rect">
               <a:avLst/>
@@ -10176,12 +9829,12 @@
             </a:ln>
           </p:spPr>
           <p:txBody>
-            <a:bodyPr vert="horz" wrap="none" lIns="89535" tIns="46355" rIns="89535" bIns="46355" numCol="1" anchor="t">
+            <a:bodyPr wrap="none" lIns="89535" tIns="46355" rIns="89535" bIns="46355" numCol="1" vert="horz" anchor="t">
               <a:noAutofit/>
             </a:bodyPr>
             <a:lstStyle/>
             <a:p>
-              <a:pPr marL="0" indent="0" algn="l" defTabSz="508000" eaLnBrk="0" fontAlgn="auto" latinLnBrk="0">
+              <a:pPr marL="0" indent="0" algn="l" fontAlgn="auto" defTabSz="508000" eaLnBrk="0" latinLnBrk="0">
                 <a:lnSpc>
                   <a:spcPct val="100000"/>
                 </a:lnSpc>
@@ -10195,19 +9848,19 @@
                 <a:buNone/>
               </a:pPr>
               <a:r>
-                <a:rPr lang="en-US" altLang="ko-KR" sz="1800" b="0" strike="noStrike" cap="none" dirty="0">
-                  <a:latin typeface="맑은 고딕" charset="0"/>
-                  <a:ea typeface="맑은 고딕" charset="0"/>
+                <a:rPr lang="en-US" altLang="ko-KR" sz="1800" cap="none" dirty="0" smtClean="0" b="0" strike="noStrike">
+                  <a:latin typeface="HY울릉도M" charset="0"/>
+                  <a:ea typeface="HY울릉도M" charset="0"/>
                 </a:rPr>
                 <a:t>데이터 처리 및 PC로 송신</a:t>
               </a:r>
-              <a:endParaRPr lang="ko-KR" altLang="en-US" sz="1800" b="0" strike="noStrike" cap="none" dirty="0">
-                <a:latin typeface="맑은 고딕" charset="0"/>
-                <a:ea typeface="맑은 고딕" charset="0"/>
+              <a:endParaRPr lang="ko-KR" altLang="en-US" sz="1800" cap="none" dirty="0" smtClean="0" b="0" strike="noStrike">
+                <a:latin typeface="HY울릉도M" charset="0"/>
+                <a:ea typeface="HY울릉도M" charset="0"/>
               </a:endParaRPr>
             </a:p>
             <a:p>
-              <a:pPr marL="0" indent="0" algn="l" defTabSz="508000" eaLnBrk="0" fontAlgn="auto" latinLnBrk="0">
+              <a:pPr marL="0" indent="0" algn="l" fontAlgn="auto" defTabSz="508000" eaLnBrk="0" latinLnBrk="0">
                 <a:lnSpc>
                   <a:spcPct val="100000"/>
                 </a:lnSpc>
@@ -10221,15 +9874,15 @@
                 <a:buNone/>
               </a:pPr>
               <a:r>
-                <a:rPr lang="en-US" altLang="ko-KR" sz="1800" b="0" strike="noStrike" cap="none" dirty="0">
-                  <a:latin typeface="맑은 고딕" charset="0"/>
-                  <a:ea typeface="맑은 고딕" charset="0"/>
+                <a:rPr lang="en-US" altLang="ko-KR" sz="1800" cap="none" dirty="0" smtClean="0" b="0" strike="noStrike">
+                  <a:latin typeface="HY울릉도M" charset="0"/>
+                  <a:ea typeface="HY울릉도M" charset="0"/>
                 </a:rPr>
                 <a:t>명령어 형식에 맞게 처리</a:t>
               </a:r>
-              <a:endParaRPr lang="ko-KR" altLang="en-US" sz="1800" b="0" strike="noStrike" cap="none" dirty="0">
-                <a:latin typeface="맑은 고딕" charset="0"/>
-                <a:ea typeface="맑은 고딕" charset="0"/>
+              <a:endParaRPr lang="ko-KR" altLang="en-US" sz="1800" cap="none" dirty="0" smtClean="0" b="0" strike="noStrike">
+                <a:latin typeface="HY울릉도M" charset="0"/>
+                <a:ea typeface="HY울릉도M" charset="0"/>
               </a:endParaRPr>
             </a:p>
           </p:txBody>
@@ -10246,7 +9899,7 @@
           <p:spPr>
             <a:xfrm flipV="1">
               <a:off x="5782945" y="2480310"/>
-              <a:ext cx="3175" cy="591185"/>
+              <a:ext cx="3810" cy="591820"/>
             </a:xfrm>
             <a:prstGeom prst="straightConnector1">
               <a:avLst/>
@@ -10287,7 +9940,7 @@
           <p:spPr>
             <a:xfrm flipH="1">
               <a:off x="5614670" y="2451100"/>
-              <a:ext cx="10795" cy="588645"/>
+              <a:ext cx="11430" cy="589280"/>
             </a:xfrm>
             <a:prstGeom prst="straightConnector1">
               <a:avLst/>
@@ -10330,7 +9983,7 @@
           <p:spPr>
             <a:xfrm>
               <a:off x="4681855" y="2560955"/>
-              <a:ext cx="861695" cy="321945"/>
+              <a:ext cx="862330" cy="322580"/>
             </a:xfrm>
             <a:prstGeom prst="rect">
               <a:avLst/>
@@ -10342,12 +9995,12 @@
             </a:ln>
           </p:spPr>
           <p:txBody>
-            <a:bodyPr vert="horz" wrap="none" lIns="89535" tIns="46355" rIns="89535" bIns="46355" anchor="t">
+            <a:bodyPr wrap="none" lIns="89535" tIns="46355" rIns="89535" bIns="46355" numCol="1" vert="horz" anchor="t">
               <a:noAutofit/>
             </a:bodyPr>
             <a:lstStyle/>
             <a:p>
-              <a:pPr marL="0" indent="0" algn="l" defTabSz="508000" fontAlgn="auto">
+              <a:pPr marL="0" indent="0" algn="l" fontAlgn="auto" defTabSz="508000" eaLnBrk="0" latinLnBrk="0">
                 <a:lnSpc>
                   <a:spcPct val="100000"/>
                 </a:lnSpc>
@@ -10361,21 +10014,21 @@
                 <a:buNone/>
               </a:pPr>
               <a:r>
-                <a:rPr lang="en-US" altLang="ko-KR" sz="1800" b="0" strike="noStrike" cap="none" dirty="0">
+                <a:rPr lang="en-US" altLang="ko-KR" sz="1800" cap="none" dirty="0" smtClean="0" b="0" strike="noStrike">
                   <a:solidFill>
                     <a:schemeClr val="accent1"/>
                   </a:solidFill>
-                  <a:latin typeface="맑은 고딕" charset="0"/>
-                  <a:ea typeface="맑은 고딕" charset="0"/>
+                  <a:latin typeface="HY울릉도M" charset="0"/>
+                  <a:ea typeface="HY울릉도M" charset="0"/>
                 </a:rPr>
                 <a:t>Refresh</a:t>
               </a:r>
-              <a:endParaRPr lang="ko-KR" altLang="en-US" sz="1800" b="0" strike="noStrike" cap="none" dirty="0">
+              <a:endParaRPr lang="ko-KR" altLang="en-US" sz="1800" cap="none" dirty="0" smtClean="0" b="0" strike="noStrike">
                 <a:solidFill>
                   <a:schemeClr val="accent1"/>
                 </a:solidFill>
-                <a:latin typeface="맑은 고딕" charset="0"/>
-                <a:ea typeface="맑은 고딕" charset="0"/>
+                <a:latin typeface="HY울릉도M" charset="0"/>
+                <a:ea typeface="HY울릉도M" charset="0"/>
               </a:endParaRPr>
             </a:p>
           </p:txBody>
@@ -10389,13 +10042,11 @@
             <p:nvPr/>
           </p:nvSpPr>
           <p:spPr>
-            <a:xfrm>
-              <a:off x="5800090" y="2552065"/>
-              <a:ext cx="1066165" cy="321945"/>
+            <a:xfrm rot="0">
+              <a:off x="5868670" y="2654935"/>
+              <a:ext cx="1066800" cy="322580"/>
             </a:xfrm>
-            <a:prstGeom prst="rect">
-              <a:avLst/>
-            </a:prstGeom>
+            <a:prstGeom prst="rect"/>
             <a:noFill/>
             <a:ln w="0">
               <a:noFill/>
@@ -10403,12 +10054,12 @@
             </a:ln>
           </p:spPr>
           <p:txBody>
-            <a:bodyPr vert="horz" wrap="none" lIns="89535" tIns="46355" rIns="89535" bIns="46355" anchor="t">
+            <a:bodyPr wrap="none" lIns="89535" tIns="46355" rIns="89535" bIns="46355" numCol="1" vert="horz" anchor="t">
               <a:noAutofit/>
             </a:bodyPr>
             <a:lstStyle/>
             <a:p>
-              <a:pPr marL="0" indent="0" algn="l" defTabSz="508000" fontAlgn="auto">
+              <a:pPr marL="0" indent="0" algn="l" fontAlgn="auto" defTabSz="508000" eaLnBrk="0" latinLnBrk="0">
                 <a:lnSpc>
                   <a:spcPct val="100000"/>
                 </a:lnSpc>
@@ -10422,21 +10073,21 @@
                 <a:buNone/>
               </a:pPr>
               <a:r>
-                <a:rPr lang="en-US" altLang="ko-KR" sz="1800" b="0" strike="noStrike" cap="none" dirty="0">
+                <a:rPr lang="en-US" altLang="ko-KR" sz="1800" cap="none" dirty="0" smtClean="0" b="0" strike="noStrike">
                   <a:solidFill>
                     <a:srgbClr val="FF0000"/>
                   </a:solidFill>
-                  <a:latin typeface="맑은 고딕" charset="0"/>
-                  <a:ea typeface="맑은 고딕" charset="0"/>
+                  <a:latin typeface="HY울릉도M" charset="0"/>
+                  <a:ea typeface="HY울릉도M" charset="0"/>
                 </a:rPr>
                 <a:t>Response</a:t>
               </a:r>
-              <a:endParaRPr lang="ko-KR" altLang="en-US" sz="1800" b="0" strike="noStrike" cap="none" dirty="0">
+              <a:endParaRPr lang="ko-KR" altLang="en-US" sz="1800" cap="none" dirty="0" smtClean="0" b="0" strike="noStrike">
                 <a:solidFill>
                   <a:srgbClr val="FF0000"/>
                 </a:solidFill>
-                <a:latin typeface="맑은 고딕" charset="0"/>
-                <a:ea typeface="맑은 고딕" charset="0"/>
+                <a:latin typeface="HY울릉도M" charset="0"/>
+                <a:ea typeface="HY울릉도M" charset="0"/>
               </a:endParaRPr>
             </a:p>
           </p:txBody>
@@ -10450,7 +10101,7 @@
           <p:spPr>
             <a:xfrm flipH="1">
               <a:off x="3933825" y="3618230"/>
-              <a:ext cx="894715" cy="525145"/>
+              <a:ext cx="895350" cy="525780"/>
             </a:xfrm>
             <a:prstGeom prst="straightConnector1">
               <a:avLst/>
@@ -10491,7 +10142,7 @@
           <p:spPr>
             <a:xfrm flipH="1">
               <a:off x="5643245" y="3830320"/>
-              <a:ext cx="50165" cy="616585"/>
+              <a:ext cx="50800" cy="617220"/>
             </a:xfrm>
             <a:prstGeom prst="straightConnector1">
               <a:avLst/>
@@ -10532,7 +10183,7 @@
           <p:spPr>
             <a:xfrm>
               <a:off x="6653530" y="3793490"/>
-              <a:ext cx="788035" cy="497205"/>
+              <a:ext cx="788670" cy="497840"/>
             </a:xfrm>
             <a:prstGeom prst="straightConnector1">
               <a:avLst/>
@@ -10576,7 +10227,7 @@
         <p:spPr>
           <a:xfrm>
             <a:off x="1045209" y="411480"/>
-            <a:ext cx="541655" cy="389890"/>
+            <a:ext cx="542290" cy="390525"/>
           </a:xfrm>
           <a:prstGeom prst="rect">
             <a:avLst/>
@@ -10588,12 +10239,12 @@
           </a:ln>
         </p:spPr>
         <p:txBody>
-          <a:bodyPr vert="horz" wrap="none" lIns="89535" tIns="46355" rIns="89535" bIns="46355" anchor="t">
+          <a:bodyPr wrap="none" lIns="89535" tIns="46355" rIns="89535" bIns="46355" numCol="1" vert="horz" anchor="t">
             <a:noAutofit/>
           </a:bodyPr>
           <a:lstStyle/>
           <a:p>
-            <a:pPr marL="0" indent="0" algn="l" defTabSz="508000" fontAlgn="auto">
+            <a:pPr marL="0" indent="0" algn="l" fontAlgn="auto" defTabSz="508000" eaLnBrk="0" latinLnBrk="0">
               <a:lnSpc>
                 <a:spcPct val="100000"/>
               </a:lnSpc>
@@ -10606,9 +10257,9 @@
               <a:buFontTx/>
               <a:buNone/>
             </a:pPr>
-            <a:endParaRPr lang="ko-KR" altLang="en-US" sz="1800" b="0" strike="noStrike" cap="none" dirty="0">
-              <a:latin typeface="맑은 고딕" charset="0"/>
-              <a:ea typeface="맑은 고딕" charset="0"/>
+            <a:endParaRPr lang="ko-KR" altLang="en-US" sz="1800" cap="none" dirty="0" smtClean="0" b="0" strike="noStrike">
+              <a:latin typeface="HY울릉도M" charset="0"/>
+              <a:ea typeface="HY울릉도M" charset="0"/>
             </a:endParaRPr>
           </a:p>
         </p:txBody>
@@ -10629,39 +10280,46 @@
         </p:nvSpPr>
         <p:spPr>
           <a:xfrm>
-            <a:off x="196849" y="0"/>
-            <a:ext cx="6456681" cy="916940"/>
+            <a:off x="196850" y="0"/>
+            <a:ext cx="6457315" cy="917575"/>
           </a:xfrm>
           <a:prstGeom prst="rect">
             <a:avLst/>
           </a:prstGeom>
         </p:spPr>
         <p:txBody>
-          <a:bodyPr vert="horz" wrap="square" lIns="91440" tIns="45720" rIns="91440" bIns="45720" anchor="ctr">
-            <a:normAutofit fontScale="97500"/>
+          <a:bodyPr wrap="square" lIns="91440" tIns="45720" rIns="91440" bIns="45720" numCol="1" vert="horz" anchor="ctr">
+            <a:normAutofit fontScale="97500" lnSpcReduction="0"/>
           </a:bodyPr>
-          <a:lstStyle>
-            <a:lvl1pPr marL="0" indent="0" algn="ctr" defTabSz="914400" latinLnBrk="1">
+          <a:lstStyle/>
+          <a:p>
+            <a:pPr marL="0" indent="0" algn="ctr" fontAlgn="auto" defTabSz="914400" eaLnBrk="0">
+              <a:lnSpc>
+                <a:spcPct val="100000"/>
+              </a:lnSpc>
+              <a:spcBef>
+                <a:spcPts val="0"/>
+              </a:spcBef>
+              <a:spcAft>
+                <a:spcPts val="0"/>
+              </a:spcAft>
+              <a:buFontTx/>
               <a:buNone/>
-              <a:defRPr lang="ko-KR" sz="4400" baseline="0" smtClean="0">
+            </a:pPr>
+            <a:r>
+              <a:rPr lang="en-US" altLang="ko-KR" sz="4400" cap="none" dirty="0" smtClean="0" b="0" strike="noStrike">
                 <a:solidFill>
                   <a:srgbClr val="000000"/>
                 </a:solidFill>
-                <a:latin typeface="+mn-lt"/>
-                <a:ea typeface="+mn-ea"/>
-                <a:cs typeface="+mn-cs"/>
-              </a:defRPr>
-            </a:lvl1pPr>
-          </a:lstStyle>
-          <a:p>
-            <a:r>
-              <a:rPr lang="ko-KR" altLang="en-US" dirty="0">
                 <a:latin typeface="HY울릉도M" charset="0"/>
                 <a:ea typeface="HY울릉도M" charset="0"/>
               </a:rPr>
               <a:t>생활관  중앙 관제 시스템</a:t>
             </a:r>
-            <a:endParaRPr lang="en-US" altLang="ko-KR" dirty="0">
+            <a:endParaRPr lang="ko-KR" altLang="en-US" sz="4400" cap="none" dirty="0" smtClean="0" b="0" strike="noStrike">
+              <a:solidFill>
+                <a:srgbClr val="000000"/>
+              </a:solidFill>
               <a:latin typeface="HY울릉도M" charset="0"/>
               <a:ea typeface="HY울릉도M" charset="0"/>
             </a:endParaRPr>
@@ -10673,19 +10331,26 @@
   <p:clrMapOvr>
     <a:masterClrMapping/>
   </p:clrMapOvr>
-  <mc:AlternateContent xmlns:mc="http://schemas.openxmlformats.org/markup-compatibility/2006" xmlns:p14="http://schemas.microsoft.com/office/powerpoint/2010/main">
-    <mc:Choice Requires="p14">
-      <p:transition/>
+  <mc:AlternateContent xmlns:mc="http://schemas.openxmlformats.org/markup-compatibility/2006">
+    <mc:Choice xmlns:p14="http://schemas.microsoft.com/office/powerpoint/2010/main" Requires="p14">
+      <p:transition spd="slow" p14:dur="500"/>
     </mc:Choice>
-    <mc:Fallback xmlns="">
+    <mc:Fallback>
       <p:transition spd="slow"/>
     </mc:Fallback>
   </mc:AlternateContent>
+  <p:timing>
+    <p:tnLst>
+      <p:par>
+        <p:cTn id="1" dur="indefinite" restart="never" nodeType="tmRoot"/>
+      </p:par>
+    </p:tnLst>
+  </p:timing>
 </p:sld>
 </file>
 
 <file path=ppt/slides/slide8.xml><?xml version="1.0" encoding="utf-8"?>
-<p:sld xmlns:a="http://schemas.openxmlformats.org/drawingml/2006/main" xmlns:r="http://schemas.openxmlformats.org/officeDocument/2006/relationships" xmlns:p="http://schemas.openxmlformats.org/presentationml/2006/main">
+<p:sld xmlns:a="http://schemas.openxmlformats.org/drawingml/2006/main" xmlns:r="http://schemas.openxmlformats.org/officeDocument/2006/relationships" xmlns:p="http://schemas.openxmlformats.org/presentationml/2006/main" xmlns:p14="http://schemas.microsoft.com/office/powerpoint/2010/main">
   <p:cSld>
     <p:spTree>
       <p:nvGrpSpPr>
@@ -10703,7 +10368,7 @@
       </p:grpSpPr>
       <p:pic>
         <p:nvPicPr>
-          <p:cNvPr id="2" name="그림 1" descr="C:/Users/Administrator/AppData/Roaming/PolarisOffice/ETemp/15968_4202728/fImage548471206962.jpeg"/>
+          <p:cNvPr id="2" name="그림 1" descr="C:/Users/Administrator/AppData/Roaming/PolarisOffice/ETemp/6472_3077952/image14.jpeg"/>
           <p:cNvPicPr>
             <a:picLocks noChangeAspect="1"/>
           </p:cNvPicPr>
@@ -10723,65 +10388,94 @@
           </a:stretch>
         </p:blipFill>
         <p:spPr>
-          <a:xfrm>
-            <a:off x="4005580" y="0"/>
-            <a:ext cx="4185285" cy="6859270"/>
+          <a:xfrm rot="0">
+            <a:off x="3471545" y="0"/>
+            <a:ext cx="5367020" cy="6859905"/>
           </a:xfrm>
-          <a:prstGeom prst="rect">
-            <a:avLst/>
-          </a:prstGeom>
+          <a:prstGeom prst="rect"/>
           <a:noFill/>
         </p:spPr>
       </p:pic>
       <p:sp>
         <p:nvSpPr>
-          <p:cNvPr id="5" name="텍스트 개체 틀 3">
-            <a:extLst>
-              <a:ext uri="{FF2B5EF4-FFF2-40B4-BE49-F238E27FC236}">
-                <a16:creationId xmlns:a16="http://schemas.microsoft.com/office/drawing/2014/main" id="{9BD6126A-CB07-F74F-A414-77FE6DCC735E}"/>
-              </a:ext>
-            </a:extLst>
-          </p:cNvPr>
+          <p:cNvPr id="5" name="텍스트 개체 틀 3"/>
           <p:cNvSpPr txBox="1">
             <a:spLocks/>
           </p:cNvSpPr>
           <p:nvPr/>
         </p:nvSpPr>
         <p:spPr>
-          <a:xfrm>
-            <a:off x="0" y="333374"/>
-            <a:ext cx="4590732" cy="1666876"/>
+          <a:xfrm rot="0">
+            <a:off x="111125" y="58420"/>
+            <a:ext cx="2992755" cy="799465"/>
           </a:xfrm>
-          <a:prstGeom prst="rect">
-            <a:avLst/>
-          </a:prstGeom>
+          <a:prstGeom prst="rect"/>
         </p:spPr>
         <p:txBody>
-          <a:bodyPr vert="horz" wrap="square" lIns="91440" tIns="45720" rIns="91440" bIns="45720" anchor="ctr">
+          <a:bodyPr wrap="square" lIns="91440" tIns="45720" rIns="91440" bIns="45720" numCol="1" vert="horz" anchor="ctr">
             <a:noAutofit/>
           </a:bodyPr>
-          <a:lstStyle>
-            <a:lvl1pPr marL="0" indent="0" algn="ctr" defTabSz="914400" latinLnBrk="1">
+          <a:lstStyle/>
+          <a:p>
+            <a:pPr marL="0" indent="0" algn="ctr" fontAlgn="auto" defTabSz="914400" eaLnBrk="0">
+              <a:lnSpc>
+                <a:spcPct val="100000"/>
+              </a:lnSpc>
+              <a:spcBef>
+                <a:spcPts val="0"/>
+              </a:spcBef>
+              <a:spcAft>
+                <a:spcPts val="0"/>
+              </a:spcAft>
+              <a:buFontTx/>
               <a:buNone/>
-              <a:defRPr lang="ko-KR" sz="4400" baseline="0" smtClean="0">
+            </a:pPr>
+            <a:r>
+              <a:rPr lang="en-US" altLang="ko-KR" sz="3200" cap="none" dirty="0" smtClean="0" b="0" strike="noStrike">
                 <a:solidFill>
                   <a:srgbClr val="000000"/>
                 </a:solidFill>
-                <a:latin typeface="+mn-lt"/>
-                <a:ea typeface="+mn-ea"/>
-                <a:cs typeface="+mn-cs"/>
-              </a:defRPr>
-            </a:lvl1pPr>
-          </a:lstStyle>
-          <a:p>
-            <a:r>
-              <a:rPr lang="ko-KR" altLang="en-US" sz="4000" dirty="0">
                 <a:latin typeface="HY울릉도M" charset="0"/>
                 <a:ea typeface="HY울릉도M" charset="0"/>
               </a:rPr>
-              <a:t>메인 아두이노 통신방식 개념</a:t>
-            </a:r>
-            <a:endParaRPr lang="en-US" altLang="ko-KR" sz="4000" dirty="0">
+              <a:t>메인 아두이노 </a:t>
+            </a:r>
+            <a:endParaRPr lang="ko-KR" altLang="en-US" sz="3200" cap="none" dirty="0" smtClean="0" b="0" strike="noStrike">
+              <a:solidFill>
+                <a:srgbClr val="000000"/>
+              </a:solidFill>
+              <a:latin typeface="HY울릉도M" charset="0"/>
+              <a:ea typeface="HY울릉도M" charset="0"/>
+            </a:endParaRPr>
+          </a:p>
+          <a:p>
+            <a:pPr marL="0" indent="0" algn="ctr" fontAlgn="auto" defTabSz="914400" eaLnBrk="0">
+              <a:lnSpc>
+                <a:spcPct val="100000"/>
+              </a:lnSpc>
+              <a:spcBef>
+                <a:spcPts val="0"/>
+              </a:spcBef>
+              <a:spcAft>
+                <a:spcPts val="0"/>
+              </a:spcAft>
+              <a:buFontTx/>
+              <a:buNone/>
+            </a:pPr>
+            <a:r>
+              <a:rPr lang="en-US" altLang="ko-KR" sz="3200" cap="none" dirty="0" smtClean="0" b="0" strike="noStrike">
+                <a:solidFill>
+                  <a:srgbClr val="000000"/>
+                </a:solidFill>
+                <a:latin typeface="HY울릉도M" charset="0"/>
+                <a:ea typeface="HY울릉도M" charset="0"/>
+              </a:rPr>
+              <a:t>통신방식</a:t>
+            </a:r>
+            <a:endParaRPr lang="ko-KR" altLang="en-US" sz="3200" cap="none" dirty="0" smtClean="0" b="0" strike="noStrike">
+              <a:solidFill>
+                <a:srgbClr val="000000"/>
+              </a:solidFill>
               <a:latin typeface="HY울릉도M" charset="0"/>
               <a:ea typeface="HY울릉도M" charset="0"/>
             </a:endParaRPr>
@@ -10793,19 +10487,26 @@
   <p:clrMapOvr>
     <a:masterClrMapping/>
   </p:clrMapOvr>
-  <mc:AlternateContent xmlns:mc="http://schemas.openxmlformats.org/markup-compatibility/2006" xmlns:p14="http://schemas.microsoft.com/office/powerpoint/2010/main">
-    <mc:Choice Requires="p14">
-      <p:transition/>
+  <mc:AlternateContent xmlns:mc="http://schemas.openxmlformats.org/markup-compatibility/2006">
+    <mc:Choice xmlns:p14="http://schemas.microsoft.com/office/powerpoint/2010/main" Requires="p14">
+      <p:transition spd="slow" p14:dur="500"/>
     </mc:Choice>
-    <mc:Fallback xmlns="">
+    <mc:Fallback>
       <p:transition spd="slow"/>
     </mc:Fallback>
   </mc:AlternateContent>
+  <p:timing>
+    <p:tnLst>
+      <p:par>
+        <p:cTn id="1" dur="indefinite" restart="never" nodeType="tmRoot"/>
+      </p:par>
+    </p:tnLst>
+  </p:timing>
 </p:sld>
 </file>
 
 <file path=ppt/slides/slide9.xml><?xml version="1.0" encoding="utf-8"?>
-<p:sld xmlns:a="http://schemas.openxmlformats.org/drawingml/2006/main" xmlns:r="http://schemas.openxmlformats.org/officeDocument/2006/relationships" xmlns:p="http://schemas.openxmlformats.org/presentationml/2006/main">
+<p:sld xmlns:a="http://schemas.openxmlformats.org/drawingml/2006/main" xmlns:r="http://schemas.openxmlformats.org/officeDocument/2006/relationships" xmlns:p="http://schemas.openxmlformats.org/presentationml/2006/main" xmlns:p14="http://schemas.microsoft.com/office/powerpoint/2010/main">
   <p:cSld>
     <p:spTree>
       <p:nvGrpSpPr>
@@ -10823,19 +10524,13 @@
       </p:grpSpPr>
       <p:pic>
         <p:nvPicPr>
-          <p:cNvPr id="2" name="그림 2">
-            <a:extLst>
-              <a:ext uri="{FF2B5EF4-FFF2-40B4-BE49-F238E27FC236}">
-                <a16:creationId xmlns:a16="http://schemas.microsoft.com/office/drawing/2014/main" id="{CFB980BC-AD38-B84A-ACFF-D1E026041A5D}"/>
-              </a:ext>
-            </a:extLst>
-          </p:cNvPr>
+          <p:cNvPr id="2" name="그림 2" descr="C:/Users/Administrator/AppData/Roaming/PolarisOffice/ETemp/6472_3077952/image15.jpeg"/>
           <p:cNvPicPr>
             <a:picLocks noChangeAspect="1"/>
           </p:cNvPicPr>
           <p:nvPr/>
         </p:nvPicPr>
-        <p:blipFill>
+        <p:blipFill rotWithShape="1">
           <a:blip r:embed="rId2">
             <a:extLst>
               <a:ext uri="{28A0092B-C50C-407E-A947-70E740481C1C}">
@@ -10843,80 +10538,71 @@
               </a:ext>
             </a:extLst>
           </a:blip>
+          <a:srcRect/>
           <a:stretch>
             <a:fillRect/>
           </a:stretch>
         </p:blipFill>
         <p:spPr>
-          <a:xfrm>
-            <a:off x="3702755" y="719666"/>
-            <a:ext cx="4786489" cy="5418667"/>
+          <a:xfrm rot="0">
+            <a:off x="3436620" y="488315"/>
+            <a:ext cx="5179060" cy="5855970"/>
           </a:xfrm>
-          <a:prstGeom prst="rect">
-            <a:avLst/>
-          </a:prstGeom>
+          <a:prstGeom prst="rect"/>
+          <a:noFill/>
         </p:spPr>
       </p:pic>
       <p:sp>
         <p:nvSpPr>
-          <p:cNvPr id="5" name="텍스트 개체 틀 2">
-            <a:extLst>
-              <a:ext uri="{FF2B5EF4-FFF2-40B4-BE49-F238E27FC236}">
-                <a16:creationId xmlns:a16="http://schemas.microsoft.com/office/drawing/2014/main" id="{99FD353E-BC39-4B49-974D-B87E8EF8EBF6}"/>
-              </a:ext>
-            </a:extLst>
-          </p:cNvPr>
+          <p:cNvPr id="5" name="텍스트 개체 틀 2"/>
           <p:cNvSpPr txBox="1">
             <a:spLocks/>
           </p:cNvSpPr>
           <p:nvPr/>
         </p:nvSpPr>
         <p:spPr>
-          <a:xfrm>
-            <a:off x="109220" y="1"/>
-            <a:ext cx="3054350" cy="1178718"/>
+          <a:xfrm rot="0">
+            <a:off x="109220" y="0"/>
+            <a:ext cx="3791585" cy="1179195"/>
           </a:xfrm>
-          <a:prstGeom prst="rect">
-            <a:avLst/>
-          </a:prstGeom>
+          <a:prstGeom prst="rect"/>
         </p:spPr>
         <p:txBody>
-          <a:bodyPr vert="horz" wrap="square" lIns="91440" tIns="45720" rIns="91440" bIns="45720" anchor="ctr">
-            <a:normAutofit fontScale="90000" lnSpcReduction="10000"/>
+          <a:bodyPr wrap="square" lIns="91440" tIns="45720" rIns="91440" bIns="45720" numCol="1" vert="horz" anchor="ctr">
+            <a:normAutofit fontScale="100000" lnSpcReduction="10000"/>
           </a:bodyPr>
-          <a:lstStyle>
-            <a:lvl1pPr marL="0" indent="0" algn="ctr" defTabSz="914400" latinLnBrk="1">
+          <a:lstStyle/>
+          <a:p>
+            <a:pPr marL="0" indent="0" algn="ctr" fontAlgn="auto" defTabSz="914400" eaLnBrk="0">
+              <a:lnSpc>
+                <a:spcPct val="90000"/>
+              </a:lnSpc>
+              <a:spcBef>
+                <a:spcPts val="0"/>
+              </a:spcBef>
+              <a:spcAft>
+                <a:spcPts val="0"/>
+              </a:spcAft>
+              <a:buFontTx/>
               <a:buNone/>
-              <a:defRPr lang="ko-KR" sz="4400" baseline="0" smtClean="0">
+            </a:pPr>
+            <a:r>
+              <a:rPr lang="en-US" altLang="ko-KR" sz="4400" cap="none" dirty="0" smtClean="0" b="0" strike="noStrike">
                 <a:solidFill>
                   <a:srgbClr val="000000"/>
                 </a:solidFill>
-                <a:latin typeface="+mn-lt"/>
-                <a:ea typeface="+mn-ea"/>
-                <a:cs typeface="+mn-cs"/>
-              </a:defRPr>
-            </a:lvl1pPr>
-          </a:lstStyle>
-          <a:p>
-            <a:pPr algn="l">
-              <a:lnSpc>
-                <a:spcPct val="90000"/>
-              </a:lnSpc>
-            </a:pPr>
-            <a:r>
-              <a:rPr lang="ko-KR" altLang="en-US" dirty="0">
-                <a:latin typeface="맑은 고딕" charset="0"/>
-                <a:ea typeface="맑은 고딕" charset="0"/>
-              </a:rPr>
-              <a:t>모니터링 </a:t>
-            </a:r>
-            <a:r>
-              <a:rPr lang="en-US" altLang="ko-KR" dirty="0">
-                <a:latin typeface="맑은 고딕" charset="0"/>
-                <a:ea typeface="맑은 고딕" charset="0"/>
-              </a:rPr>
-              <a:t>GUI</a:t>
-            </a:r>
+                <a:latin typeface="HY울릉도M" charset="0"/>
+                <a:ea typeface="HY울릉도M" charset="0"/>
+              </a:rPr>
+              <a:t>모니터링 GUI</a:t>
+            </a:r>
+            <a:endParaRPr lang="ko-KR" altLang="en-US" sz="4400" cap="none" dirty="0" smtClean="0" b="0" strike="noStrike">
+              <a:solidFill>
+                <a:srgbClr val="000000"/>
+              </a:solidFill>
+              <a:latin typeface="HY울릉도M" charset="0"/>
+              <a:ea typeface="HY울릉도M" charset="0"/>
+            </a:endParaRPr>
           </a:p>
         </p:txBody>
       </p:sp>
@@ -10930,6 +10616,21 @@
   <p:clrMapOvr>
     <a:masterClrMapping/>
   </p:clrMapOvr>
+  <mc:AlternateContent xmlns:mc="http://schemas.openxmlformats.org/markup-compatibility/2006">
+    <mc:Choice xmlns:p14="http://schemas.microsoft.com/office/powerpoint/2010/main" Requires="p14">
+      <p:transition spd="slow" p14:dur="2000"/>
+    </mc:Choice>
+    <mc:Fallback>
+      <p:transition spd="slow"/>
+    </mc:Fallback>
+  </mc:AlternateContent>
+  <p:timing>
+    <p:tnLst>
+      <p:par>
+        <p:cTn id="1" dur="indefinite" restart="never" nodeType="tmRoot"/>
+      </p:par>
+    </p:tnLst>
+  </p:timing>
 </p:sld>
 </file>
 
